--- a/Images/Figures.pptx
+++ b/Images/Figures.pptx
@@ -5,7 +5,7 @@
     <p:sldMasterId id="2147483648" r:id="rId1"/>
   </p:sldMasterIdLst>
   <p:notesMasterIdLst>
-    <p:notesMasterId r:id="rId10"/>
+    <p:notesMasterId r:id="rId11"/>
   </p:notesMasterIdLst>
   <p:sldIdLst>
     <p:sldId id="261" r:id="rId2"/>
@@ -16,6 +16,7 @@
     <p:sldId id="256" r:id="rId7"/>
     <p:sldId id="259" r:id="rId8"/>
     <p:sldId id="260" r:id="rId9"/>
+    <p:sldId id="264" r:id="rId10"/>
   </p:sldIdLst>
   <p:sldSz cx="12192000" cy="6858000"/>
   <p:notesSz cx="6858000" cy="9144000"/>
@@ -3464,7 +3465,7 @@
           <a:graphicData uri="http://schemas.openxmlformats.org/presentationml/2006/ole">
             <mc:AlternateContent xmlns:mc="http://schemas.openxmlformats.org/markup-compatibility/2006">
               <mc:Choice xmlns:v="urn:schemas-microsoft-com:vml" Requires="v">
-                <p:oleObj spid="_x0000_s4100" r:id="rId3" imgW="8077200" imgH="6870700" progId="Visio.Drawing.15">
+                <p:oleObj spid="_x0000_s4101" r:id="rId3" imgW="8077200" imgH="6870700" progId="Visio.Drawing.15">
                   <p:embed/>
                 </p:oleObj>
               </mc:Choice>
@@ -3848,6 +3849,59 @@
     <p:extLst>
       <p:ext uri="{BB962C8B-B14F-4D97-AF65-F5344CB8AC3E}">
         <p14:creationId xmlns:p14="http://schemas.microsoft.com/office/powerpoint/2010/main" val="1180580809"/>
+      </p:ext>
+    </p:extLst>
+  </p:cSld>
+  <p:clrMapOvr>
+    <a:masterClrMapping/>
+  </p:clrMapOvr>
+</p:sld>
+</file>
+
+<file path=ppt/slides/slide9.xml><?xml version="1.0" encoding="utf-8"?>
+<p:sld xmlns:a="http://schemas.openxmlformats.org/drawingml/2006/main" xmlns:r="http://schemas.openxmlformats.org/officeDocument/2006/relationships" xmlns:p="http://schemas.openxmlformats.org/presentationml/2006/main">
+  <p:cSld>
+    <p:spTree>
+      <p:nvGrpSpPr>
+        <p:cNvPr id="1" name=""/>
+        <p:cNvGrpSpPr/>
+        <p:nvPr/>
+      </p:nvGrpSpPr>
+      <p:grpSpPr>
+        <a:xfrm>
+          <a:off x="0" y="0"/>
+          <a:ext cx="0" cy="0"/>
+          <a:chOff x="0" y="0"/>
+          <a:chExt cx="0" cy="0"/>
+        </a:xfrm>
+      </p:grpSpPr>
+      <p:sp>
+        <p:nvSpPr>
+          <p:cNvPr id="2" name="Title 1"/>
+          <p:cNvSpPr>
+            <a:spLocks noGrp="1"/>
+          </p:cNvSpPr>
+          <p:nvPr>
+            <p:ph type="title"/>
+          </p:nvPr>
+        </p:nvSpPr>
+        <p:spPr/>
+        <p:txBody>
+          <a:bodyPr/>
+          <a:lstStyle/>
+          <a:p>
+            <a:r>
+              <a:rPr lang="en-US" dirty="0" smtClean="0"/>
+              <a:t>Example of ABM Analysis</a:t>
+            </a:r>
+            <a:endParaRPr lang="en-US" dirty="0"/>
+          </a:p>
+        </p:txBody>
+      </p:sp>
+    </p:spTree>
+    <p:extLst>
+      <p:ext uri="{BB962C8B-B14F-4D97-AF65-F5344CB8AC3E}">
+        <p14:creationId xmlns:p14="http://schemas.microsoft.com/office/powerpoint/2010/main" val="1169025604"/>
       </p:ext>
     </p:extLst>
   </p:cSld>

--- a/Images/Figures.pptx
+++ b/Images/Figures.pptx
@@ -5,7 +5,7 @@
     <p:sldMasterId id="2147483648" r:id="rId1"/>
   </p:sldMasterIdLst>
   <p:notesMasterIdLst>
-    <p:notesMasterId r:id="rId11"/>
+    <p:notesMasterId r:id="rId14"/>
   </p:notesMasterIdLst>
   <p:sldIdLst>
     <p:sldId id="261" r:id="rId2"/>
@@ -16,7 +16,10 @@
     <p:sldId id="256" r:id="rId7"/>
     <p:sldId id="259" r:id="rId8"/>
     <p:sldId id="260" r:id="rId9"/>
-    <p:sldId id="264" r:id="rId10"/>
+    <p:sldId id="265" r:id="rId10"/>
+    <p:sldId id="264" r:id="rId11"/>
+    <p:sldId id="266" r:id="rId12"/>
+    <p:sldId id="267" r:id="rId13"/>
   </p:sldIdLst>
   <p:sldSz cx="12192000" cy="6858000"/>
   <p:notesSz cx="6858000" cy="9144000"/>
@@ -3361,6 +3364,193 @@
 </p:sld>
 </file>
 
+<file path=ppt/slides/slide10.xml><?xml version="1.0" encoding="utf-8"?>
+<p:sld xmlns:a="http://schemas.openxmlformats.org/drawingml/2006/main" xmlns:r="http://schemas.openxmlformats.org/officeDocument/2006/relationships" xmlns:p="http://schemas.openxmlformats.org/presentationml/2006/main">
+  <p:cSld>
+    <p:spTree>
+      <p:nvGrpSpPr>
+        <p:cNvPr id="1" name=""/>
+        <p:cNvGrpSpPr/>
+        <p:nvPr/>
+      </p:nvGrpSpPr>
+      <p:grpSpPr>
+        <a:xfrm>
+          <a:off x="0" y="0"/>
+          <a:ext cx="0" cy="0"/>
+          <a:chOff x="0" y="0"/>
+          <a:chExt cx="0" cy="0"/>
+        </a:xfrm>
+      </p:grpSpPr>
+      <p:sp>
+        <p:nvSpPr>
+          <p:cNvPr id="2" name="Title 1"/>
+          <p:cNvSpPr>
+            <a:spLocks noGrp="1"/>
+          </p:cNvSpPr>
+          <p:nvPr>
+            <p:ph type="title"/>
+          </p:nvPr>
+        </p:nvSpPr>
+        <p:spPr/>
+        <p:txBody>
+          <a:bodyPr/>
+          <a:lstStyle/>
+          <a:p>
+            <a:r>
+              <a:rPr lang="en-US" dirty="0" smtClean="0"/>
+              <a:t>Example of ABM Analysis</a:t>
+            </a:r>
+            <a:endParaRPr lang="en-US" dirty="0"/>
+          </a:p>
+        </p:txBody>
+      </p:sp>
+    </p:spTree>
+    <p:extLst>
+      <p:ext uri="{BB962C8B-B14F-4D97-AF65-F5344CB8AC3E}">
+        <p14:creationId xmlns:p14="http://schemas.microsoft.com/office/powerpoint/2010/main" val="1169025604"/>
+      </p:ext>
+    </p:extLst>
+  </p:cSld>
+  <p:clrMapOvr>
+    <a:masterClrMapping/>
+  </p:clrMapOvr>
+</p:sld>
+</file>
+
+<file path=ppt/slides/slide11.xml><?xml version="1.0" encoding="utf-8"?>
+<p:sld xmlns:a="http://schemas.openxmlformats.org/drawingml/2006/main" xmlns:r="http://schemas.openxmlformats.org/officeDocument/2006/relationships" xmlns:p="http://schemas.openxmlformats.org/presentationml/2006/main">
+  <p:cSld>
+    <p:spTree>
+      <p:nvGrpSpPr>
+        <p:cNvPr id="1" name=""/>
+        <p:cNvGrpSpPr/>
+        <p:nvPr/>
+      </p:nvGrpSpPr>
+      <p:grpSpPr>
+        <a:xfrm>
+          <a:off x="0" y="0"/>
+          <a:ext cx="0" cy="0"/>
+          <a:chOff x="0" y="0"/>
+          <a:chExt cx="0" cy="0"/>
+        </a:xfrm>
+      </p:grpSpPr>
+      <p:pic>
+        <p:nvPicPr>
+          <p:cNvPr id="4" name="Picture 3"/>
+          <p:cNvPicPr>
+            <a:picLocks noChangeAspect="1"/>
+          </p:cNvPicPr>
+          <p:nvPr/>
+        </p:nvPicPr>
+        <p:blipFill>
+          <a:blip r:embed="rId2">
+            <a:extLst>
+              <a:ext uri="{28A0092B-C50C-407E-A947-70E740481C1C}">
+                <a14:useLocalDpi xmlns:a14="http://schemas.microsoft.com/office/drawing/2010/main" val="0"/>
+              </a:ext>
+            </a:extLst>
+          </a:blip>
+          <a:stretch>
+            <a:fillRect/>
+          </a:stretch>
+        </p:blipFill>
+        <p:spPr>
+          <a:xfrm>
+            <a:off x="3493213" y="604769"/>
+            <a:ext cx="5601415" cy="5770346"/>
+          </a:xfrm>
+          <a:prstGeom prst="rect">
+            <a:avLst/>
+          </a:prstGeom>
+        </p:spPr>
+      </p:pic>
+    </p:spTree>
+    <p:extLst>
+      <p:ext uri="{BB962C8B-B14F-4D97-AF65-F5344CB8AC3E}">
+        <p14:creationId xmlns:p14="http://schemas.microsoft.com/office/powerpoint/2010/main" val="967473114"/>
+      </p:ext>
+    </p:extLst>
+  </p:cSld>
+  <p:clrMapOvr>
+    <a:masterClrMapping/>
+  </p:clrMapOvr>
+</p:sld>
+</file>
+
+<file path=ppt/slides/slide12.xml><?xml version="1.0" encoding="utf-8"?>
+<p:sld xmlns:a="http://schemas.openxmlformats.org/drawingml/2006/main" xmlns:r="http://schemas.openxmlformats.org/officeDocument/2006/relationships" xmlns:p="http://schemas.openxmlformats.org/presentationml/2006/main">
+  <p:cSld>
+    <p:spTree>
+      <p:nvGrpSpPr>
+        <p:cNvPr id="1" name=""/>
+        <p:cNvGrpSpPr/>
+        <p:nvPr/>
+      </p:nvGrpSpPr>
+      <p:grpSpPr>
+        <a:xfrm>
+          <a:off x="0" y="0"/>
+          <a:ext cx="0" cy="0"/>
+          <a:chOff x="0" y="0"/>
+          <a:chExt cx="0" cy="0"/>
+        </a:xfrm>
+      </p:grpSpPr>
+      <p:pic>
+        <p:nvPicPr>
+          <p:cNvPr id="4" name="그림 18"/>
+          <p:cNvPicPr/>
+          <p:nvPr/>
+        </p:nvPicPr>
+        <p:blipFill>
+          <a:blip r:embed="rId2"/>
+          <a:stretch>
+            <a:fillRect/>
+          </a:stretch>
+        </p:blipFill>
+        <p:spPr>
+          <a:xfrm>
+            <a:off x="6369485" y="1105449"/>
+            <a:ext cx="4706056" cy="4863610"/>
+          </a:xfrm>
+          <a:prstGeom prst="rect">
+            <a:avLst/>
+          </a:prstGeom>
+        </p:spPr>
+      </p:pic>
+      <p:pic>
+        <p:nvPicPr>
+          <p:cNvPr id="5" name="그림 17"/>
+          <p:cNvPicPr/>
+          <p:nvPr/>
+        </p:nvPicPr>
+        <p:blipFill>
+          <a:blip r:embed="rId3"/>
+          <a:stretch>
+            <a:fillRect/>
+          </a:stretch>
+        </p:blipFill>
+        <p:spPr>
+          <a:xfrm>
+            <a:off x="903827" y="1102820"/>
+            <a:ext cx="4716138" cy="4866239"/>
+          </a:xfrm>
+          <a:prstGeom prst="rect">
+            <a:avLst/>
+          </a:prstGeom>
+        </p:spPr>
+      </p:pic>
+    </p:spTree>
+    <p:extLst>
+      <p:ext uri="{BB962C8B-B14F-4D97-AF65-F5344CB8AC3E}">
+        <p14:creationId xmlns:p14="http://schemas.microsoft.com/office/powerpoint/2010/main" val="464562254"/>
+      </p:ext>
+    </p:extLst>
+  </p:cSld>
+  <p:clrMapOvr>
+    <a:masterClrMapping/>
+  </p:clrMapOvr>
+</p:sld>
+</file>
+
 <file path=ppt/slides/slide2.xml><?xml version="1.0" encoding="utf-8"?>
 <p:sld xmlns:a="http://schemas.openxmlformats.org/drawingml/2006/main" xmlns:r="http://schemas.openxmlformats.org/officeDocument/2006/relationships" xmlns:p="http://schemas.openxmlformats.org/presentationml/2006/main">
   <p:cSld>
@@ -3465,7 +3655,7 @@
           <a:graphicData uri="http://schemas.openxmlformats.org/presentationml/2006/ole">
             <mc:AlternateContent xmlns:mc="http://schemas.openxmlformats.org/markup-compatibility/2006">
               <mc:Choice xmlns:v="urn:schemas-microsoft-com:vml" Requires="v">
-                <p:oleObj spid="_x0000_s4101" r:id="rId3" imgW="8077200" imgH="6870700" progId="Visio.Drawing.15">
+                <p:oleObj spid="_x0000_s4103" r:id="rId3" imgW="8077200" imgH="6870700" progId="Visio.Drawing.15">
                   <p:embed/>
                 </p:oleObj>
               </mc:Choice>
@@ -3875,33 +4065,54 @@
           <a:chExt cx="0" cy="0"/>
         </a:xfrm>
       </p:grpSpPr>
-      <p:sp>
-        <p:nvSpPr>
-          <p:cNvPr id="2" name="Title 1"/>
-          <p:cNvSpPr>
-            <a:spLocks noGrp="1"/>
-          </p:cNvSpPr>
-          <p:nvPr>
-            <p:ph type="title"/>
-          </p:nvPr>
-        </p:nvSpPr>
-        <p:spPr/>
-        <p:txBody>
-          <a:bodyPr/>
-          <a:lstStyle/>
-          <a:p>
-            <a:r>
-              <a:rPr lang="en-US" dirty="0" smtClean="0"/>
-              <a:t>Example of ABM Analysis</a:t>
-            </a:r>
-            <a:endParaRPr lang="en-US" dirty="0"/>
-          </a:p>
-        </p:txBody>
-      </p:sp>
+      <p:pic>
+        <p:nvPicPr>
+          <p:cNvPr id="5" name="그림 7"/>
+          <p:cNvPicPr/>
+          <p:nvPr/>
+        </p:nvPicPr>
+        <p:blipFill>
+          <a:blip r:embed="rId2"/>
+          <a:stretch>
+            <a:fillRect/>
+          </a:stretch>
+        </p:blipFill>
+        <p:spPr>
+          <a:xfrm>
+            <a:off x="1141016" y="1311843"/>
+            <a:ext cx="3899439" cy="4030719"/>
+          </a:xfrm>
+          <a:prstGeom prst="rect">
+            <a:avLst/>
+          </a:prstGeom>
+        </p:spPr>
+      </p:pic>
+      <p:pic>
+        <p:nvPicPr>
+          <p:cNvPr id="7" name="그림 7"/>
+          <p:cNvPicPr/>
+          <p:nvPr/>
+        </p:nvPicPr>
+        <p:blipFill>
+          <a:blip r:embed="rId2"/>
+          <a:stretch>
+            <a:fillRect/>
+          </a:stretch>
+        </p:blipFill>
+        <p:spPr>
+          <a:xfrm>
+            <a:off x="6338027" y="1311843"/>
+            <a:ext cx="3899439" cy="4030719"/>
+          </a:xfrm>
+          <a:prstGeom prst="rect">
+            <a:avLst/>
+          </a:prstGeom>
+        </p:spPr>
+      </p:pic>
     </p:spTree>
     <p:extLst>
       <p:ext uri="{BB962C8B-B14F-4D97-AF65-F5344CB8AC3E}">
-        <p14:creationId xmlns:p14="http://schemas.microsoft.com/office/powerpoint/2010/main" val="1169025604"/>
+        <p14:creationId xmlns:p14="http://schemas.microsoft.com/office/powerpoint/2010/main" val="1730140811"/>
       </p:ext>
     </p:extLst>
   </p:cSld>

--- a/Images/Figures.pptx
+++ b/Images/Figures.pptx
@@ -5,21 +5,22 @@
     <p:sldMasterId id="2147483648" r:id="rId1"/>
   </p:sldMasterIdLst>
   <p:notesMasterIdLst>
-    <p:notesMasterId r:id="rId14"/>
+    <p:notesMasterId r:id="rId15"/>
   </p:notesMasterIdLst>
   <p:sldIdLst>
     <p:sldId id="261" r:id="rId2"/>
     <p:sldId id="257" r:id="rId3"/>
-    <p:sldId id="262" r:id="rId4"/>
-    <p:sldId id="263" r:id="rId5"/>
-    <p:sldId id="258" r:id="rId6"/>
-    <p:sldId id="256" r:id="rId7"/>
-    <p:sldId id="259" r:id="rId8"/>
-    <p:sldId id="260" r:id="rId9"/>
-    <p:sldId id="265" r:id="rId10"/>
-    <p:sldId id="264" r:id="rId11"/>
-    <p:sldId id="266" r:id="rId12"/>
-    <p:sldId id="267" r:id="rId13"/>
+    <p:sldId id="268" r:id="rId4"/>
+    <p:sldId id="262" r:id="rId5"/>
+    <p:sldId id="263" r:id="rId6"/>
+    <p:sldId id="258" r:id="rId7"/>
+    <p:sldId id="256" r:id="rId8"/>
+    <p:sldId id="259" r:id="rId9"/>
+    <p:sldId id="260" r:id="rId10"/>
+    <p:sldId id="265" r:id="rId11"/>
+    <p:sldId id="264" r:id="rId12"/>
+    <p:sldId id="266" r:id="rId13"/>
+    <p:sldId id="267" r:id="rId14"/>
   </p:sldIdLst>
   <p:sldSz cx="12192000" cy="6858000"/>
   <p:notesSz cx="6858000" cy="9144000"/>
@@ -118,6 +119,11 @@
       </a:defRPr>
     </a:lvl9pPr>
   </p:defaultTextStyle>
+  <p:extLst>
+    <p:ext uri="{EFAFB233-063F-42B5-8137-9DF3F51BA10A}">
+      <p15:sldGuideLst xmlns:p15="http://schemas.microsoft.com/office/powerpoint/2012/main"/>
+    </p:ext>
+  </p:extLst>
 </p:presentation>
 </file>
 
@@ -203,7 +209,7 @@
           <a:p>
             <a:fld id="{D2B9E211-9C08-4C42-A2A8-C62EC400EB01}" type="datetimeFigureOut">
               <a:rPr lang="en-US" smtClean="0"/>
-              <a:t>4/18/17</a:t>
+              <a:t>4/19/2017</a:t>
             </a:fld>
             <a:endParaRPr lang="en-US"/>
           </a:p>
@@ -602,7 +608,7 @@
           <a:p>
             <a:fld id="{486A5EBE-DDEB-A34C-9AC8-87337965A481}" type="datetimeFigureOut">
               <a:rPr lang="en-US" smtClean="0"/>
-              <a:t>4/18/17</a:t>
+              <a:t>4/19/2017</a:t>
             </a:fld>
             <a:endParaRPr lang="en-US"/>
           </a:p>
@@ -772,7 +778,7 @@
           <a:p>
             <a:fld id="{486A5EBE-DDEB-A34C-9AC8-87337965A481}" type="datetimeFigureOut">
               <a:rPr lang="en-US" smtClean="0"/>
-              <a:t>4/18/17</a:t>
+              <a:t>4/19/2017</a:t>
             </a:fld>
             <a:endParaRPr lang="en-US"/>
           </a:p>
@@ -952,7 +958,7 @@
           <a:p>
             <a:fld id="{486A5EBE-DDEB-A34C-9AC8-87337965A481}" type="datetimeFigureOut">
               <a:rPr lang="en-US" smtClean="0"/>
-              <a:t>4/18/17</a:t>
+              <a:t>4/19/2017</a:t>
             </a:fld>
             <a:endParaRPr lang="en-US"/>
           </a:p>
@@ -1122,7 +1128,7 @@
           <a:p>
             <a:fld id="{486A5EBE-DDEB-A34C-9AC8-87337965A481}" type="datetimeFigureOut">
               <a:rPr lang="en-US" smtClean="0"/>
-              <a:t>4/18/17</a:t>
+              <a:t>4/19/2017</a:t>
             </a:fld>
             <a:endParaRPr lang="en-US"/>
           </a:p>
@@ -1368,7 +1374,7 @@
           <a:p>
             <a:fld id="{486A5EBE-DDEB-A34C-9AC8-87337965A481}" type="datetimeFigureOut">
               <a:rPr lang="en-US" smtClean="0"/>
-              <a:t>4/18/17</a:t>
+              <a:t>4/19/2017</a:t>
             </a:fld>
             <a:endParaRPr lang="en-US"/>
           </a:p>
@@ -1600,7 +1606,7 @@
           <a:p>
             <a:fld id="{486A5EBE-DDEB-A34C-9AC8-87337965A481}" type="datetimeFigureOut">
               <a:rPr lang="en-US" smtClean="0"/>
-              <a:t>4/18/17</a:t>
+              <a:t>4/19/2017</a:t>
             </a:fld>
             <a:endParaRPr lang="en-US"/>
           </a:p>
@@ -1967,7 +1973,7 @@
           <a:p>
             <a:fld id="{486A5EBE-DDEB-A34C-9AC8-87337965A481}" type="datetimeFigureOut">
               <a:rPr lang="en-US" smtClean="0"/>
-              <a:t>4/18/17</a:t>
+              <a:t>4/19/2017</a:t>
             </a:fld>
             <a:endParaRPr lang="en-US"/>
           </a:p>
@@ -2085,7 +2091,7 @@
           <a:p>
             <a:fld id="{486A5EBE-DDEB-A34C-9AC8-87337965A481}" type="datetimeFigureOut">
               <a:rPr lang="en-US" smtClean="0"/>
-              <a:t>4/18/17</a:t>
+              <a:t>4/19/2017</a:t>
             </a:fld>
             <a:endParaRPr lang="en-US"/>
           </a:p>
@@ -2180,7 +2186,7 @@
           <a:p>
             <a:fld id="{486A5EBE-DDEB-A34C-9AC8-87337965A481}" type="datetimeFigureOut">
               <a:rPr lang="en-US" smtClean="0"/>
-              <a:t>4/18/17</a:t>
+              <a:t>4/19/2017</a:t>
             </a:fld>
             <a:endParaRPr lang="en-US"/>
           </a:p>
@@ -2457,7 +2463,7 @@
           <a:p>
             <a:fld id="{486A5EBE-DDEB-A34C-9AC8-87337965A481}" type="datetimeFigureOut">
               <a:rPr lang="en-US" smtClean="0"/>
-              <a:t>4/18/17</a:t>
+              <a:t>4/19/2017</a:t>
             </a:fld>
             <a:endParaRPr lang="en-US"/>
           </a:p>
@@ -2710,7 +2716,7 @@
           <a:p>
             <a:fld id="{486A5EBE-DDEB-A34C-9AC8-87337965A481}" type="datetimeFigureOut">
               <a:rPr lang="en-US" smtClean="0"/>
-              <a:t>4/18/17</a:t>
+              <a:t>4/19/2017</a:t>
             </a:fld>
             <a:endParaRPr lang="en-US"/>
           </a:p>
@@ -2923,7 +2929,7 @@
           <a:p>
             <a:fld id="{486A5EBE-DDEB-A34C-9AC8-87337965A481}" type="datetimeFigureOut">
               <a:rPr lang="en-US" smtClean="0"/>
-              <a:t>4/18/17</a:t>
+              <a:t>4/19/2017</a:t>
             </a:fld>
             <a:endParaRPr lang="en-US"/>
           </a:p>
@@ -3381,6 +3387,80 @@
           <a:chExt cx="0" cy="0"/>
         </a:xfrm>
       </p:grpSpPr>
+      <p:pic>
+        <p:nvPicPr>
+          <p:cNvPr id="5" name="그림 7"/>
+          <p:cNvPicPr/>
+          <p:nvPr/>
+        </p:nvPicPr>
+        <p:blipFill>
+          <a:blip r:embed="rId2"/>
+          <a:stretch>
+            <a:fillRect/>
+          </a:stretch>
+        </p:blipFill>
+        <p:spPr>
+          <a:xfrm>
+            <a:off x="1141016" y="1311843"/>
+            <a:ext cx="3899439" cy="4030719"/>
+          </a:xfrm>
+          <a:prstGeom prst="rect">
+            <a:avLst/>
+          </a:prstGeom>
+        </p:spPr>
+      </p:pic>
+      <p:pic>
+        <p:nvPicPr>
+          <p:cNvPr id="7" name="그림 7"/>
+          <p:cNvPicPr/>
+          <p:nvPr/>
+        </p:nvPicPr>
+        <p:blipFill>
+          <a:blip r:embed="rId2"/>
+          <a:stretch>
+            <a:fillRect/>
+          </a:stretch>
+        </p:blipFill>
+        <p:spPr>
+          <a:xfrm>
+            <a:off x="6338027" y="1311843"/>
+            <a:ext cx="3899439" cy="4030719"/>
+          </a:xfrm>
+          <a:prstGeom prst="rect">
+            <a:avLst/>
+          </a:prstGeom>
+        </p:spPr>
+      </p:pic>
+    </p:spTree>
+    <p:extLst>
+      <p:ext uri="{BB962C8B-B14F-4D97-AF65-F5344CB8AC3E}">
+        <p14:creationId xmlns:p14="http://schemas.microsoft.com/office/powerpoint/2010/main" val="1730140811"/>
+      </p:ext>
+    </p:extLst>
+  </p:cSld>
+  <p:clrMapOvr>
+    <a:masterClrMapping/>
+  </p:clrMapOvr>
+</p:sld>
+</file>
+
+<file path=ppt/slides/slide11.xml><?xml version="1.0" encoding="utf-8"?>
+<p:sld xmlns:a="http://schemas.openxmlformats.org/drawingml/2006/main" xmlns:r="http://schemas.openxmlformats.org/officeDocument/2006/relationships" xmlns:p="http://schemas.openxmlformats.org/presentationml/2006/main">
+  <p:cSld>
+    <p:spTree>
+      <p:nvGrpSpPr>
+        <p:cNvPr id="1" name=""/>
+        <p:cNvGrpSpPr/>
+        <p:nvPr/>
+      </p:nvGrpSpPr>
+      <p:grpSpPr>
+        <a:xfrm>
+          <a:off x="0" y="0"/>
+          <a:ext cx="0" cy="0"/>
+          <a:chOff x="0" y="0"/>
+          <a:chExt cx="0" cy="0"/>
+        </a:xfrm>
+      </p:grpSpPr>
       <p:sp>
         <p:nvSpPr>
           <p:cNvPr id="2" name="Title 1"/>
@@ -3417,7 +3497,7 @@
 </p:sld>
 </file>
 
-<file path=ppt/slides/slide11.xml><?xml version="1.0" encoding="utf-8"?>
+<file path=ppt/slides/slide12.xml><?xml version="1.0" encoding="utf-8"?>
 <p:sld xmlns:a="http://schemas.openxmlformats.org/drawingml/2006/main" xmlns:r="http://schemas.openxmlformats.org/officeDocument/2006/relationships" xmlns:p="http://schemas.openxmlformats.org/presentationml/2006/main">
   <p:cSld>
     <p:spTree>
@@ -3477,7 +3557,7 @@
 </p:sld>
 </file>
 
-<file path=ppt/slides/slide12.xml><?xml version="1.0" encoding="utf-8"?>
+<file path=ppt/slides/slide13.xml><?xml version="1.0" encoding="utf-8"?>
 <p:sld xmlns:a="http://schemas.openxmlformats.org/drawingml/2006/main" xmlns:r="http://schemas.openxmlformats.org/officeDocument/2006/relationships" xmlns:p="http://schemas.openxmlformats.org/presentationml/2006/main">
   <p:cSld>
     <p:spTree>
@@ -3655,7 +3735,7 @@
           <a:graphicData uri="http://schemas.openxmlformats.org/presentationml/2006/ole">
             <mc:AlternateContent xmlns:mc="http://schemas.openxmlformats.org/markup-compatibility/2006">
               <mc:Choice xmlns:v="urn:schemas-microsoft-com:vml" Requires="v">
-                <p:oleObj spid="_x0000_s4103" r:id="rId3" imgW="8077200" imgH="6870700" progId="Visio.Drawing.15">
+                <p:oleObj spid="_x0000_s4104" r:id="rId3" imgW="8077200" imgH="6870700" progId="Visio.Drawing.15">
                   <p:embed/>
                 </p:oleObj>
               </mc:Choice>
@@ -3739,6 +3819,60 @@
           <a:chExt cx="0" cy="0"/>
         </a:xfrm>
       </p:grpSpPr>
+      <p:pic>
+        <p:nvPicPr>
+          <p:cNvPr id="4" name="그림 3"/>
+          <p:cNvPicPr>
+            <a:picLocks noChangeAspect="1"/>
+          </p:cNvPicPr>
+          <p:nvPr/>
+        </p:nvPicPr>
+        <p:blipFill>
+          <a:blip r:embed="rId2"/>
+          <a:stretch>
+            <a:fillRect/>
+          </a:stretch>
+        </p:blipFill>
+        <p:spPr>
+          <a:xfrm>
+            <a:off x="2062162" y="764433"/>
+            <a:ext cx="8067676" cy="5329134"/>
+          </a:xfrm>
+          <a:prstGeom prst="rect">
+            <a:avLst/>
+          </a:prstGeom>
+        </p:spPr>
+      </p:pic>
+    </p:spTree>
+    <p:extLst>
+      <p:ext uri="{BB962C8B-B14F-4D97-AF65-F5344CB8AC3E}">
+        <p14:creationId xmlns:p14="http://schemas.microsoft.com/office/powerpoint/2010/main" val="1439061587"/>
+      </p:ext>
+    </p:extLst>
+  </p:cSld>
+  <p:clrMapOvr>
+    <a:masterClrMapping/>
+  </p:clrMapOvr>
+</p:sld>
+</file>
+
+<file path=ppt/slides/slide4.xml><?xml version="1.0" encoding="utf-8"?>
+<p:sld xmlns:a="http://schemas.openxmlformats.org/drawingml/2006/main" xmlns:r="http://schemas.openxmlformats.org/officeDocument/2006/relationships" xmlns:p="http://schemas.openxmlformats.org/presentationml/2006/main">
+  <p:cSld>
+    <p:spTree>
+      <p:nvGrpSpPr>
+        <p:cNvPr id="1" name=""/>
+        <p:cNvGrpSpPr/>
+        <p:nvPr/>
+      </p:nvGrpSpPr>
+      <p:grpSpPr>
+        <a:xfrm>
+          <a:off x="0" y="0"/>
+          <a:ext cx="0" cy="0"/>
+          <a:chOff x="0" y="0"/>
+          <a:chExt cx="0" cy="0"/>
+        </a:xfrm>
+      </p:grpSpPr>
       <p:sp>
         <p:nvSpPr>
           <p:cNvPr id="2" name="Title 1"/>
@@ -3775,7 +3909,7 @@
 </p:sld>
 </file>
 
-<file path=ppt/slides/slide4.xml><?xml version="1.0" encoding="utf-8"?>
+<file path=ppt/slides/slide5.xml><?xml version="1.0" encoding="utf-8"?>
 <p:sld xmlns:a="http://schemas.openxmlformats.org/drawingml/2006/main" xmlns:r="http://schemas.openxmlformats.org/officeDocument/2006/relationships" xmlns:p="http://schemas.openxmlformats.org/presentationml/2006/main">
   <p:cSld>
     <p:spTree>
@@ -3833,7 +3967,7 @@
 </p:sld>
 </file>
 
-<file path=ppt/slides/slide5.xml><?xml version="1.0" encoding="utf-8"?>
+<file path=ppt/slides/slide6.xml><?xml version="1.0" encoding="utf-8"?>
 <p:sld xmlns:a="http://schemas.openxmlformats.org/drawingml/2006/main" xmlns:r="http://schemas.openxmlformats.org/officeDocument/2006/relationships" xmlns:p="http://schemas.openxmlformats.org/presentationml/2006/main">
   <p:cSld>
     <p:spTree>
@@ -3886,7 +4020,7 @@
 </p:sld>
 </file>
 
-<file path=ppt/slides/slide6.xml><?xml version="1.0" encoding="utf-8"?>
+<file path=ppt/slides/slide7.xml><?xml version="1.0" encoding="utf-8"?>
 <p:sld xmlns:a="http://schemas.openxmlformats.org/drawingml/2006/main" xmlns:r="http://schemas.openxmlformats.org/officeDocument/2006/relationships" xmlns:p="http://schemas.openxmlformats.org/presentationml/2006/main">
   <p:cSld>
     <p:spTree>
@@ -3940,7 +4074,7 @@
 </p:sld>
 </file>
 
-<file path=ppt/slides/slide7.xml><?xml version="1.0" encoding="utf-8"?>
+<file path=ppt/slides/slide8.xml><?xml version="1.0" encoding="utf-8"?>
 <p:sld xmlns:a="http://schemas.openxmlformats.org/drawingml/2006/main" xmlns:r="http://schemas.openxmlformats.org/officeDocument/2006/relationships" xmlns:p="http://schemas.openxmlformats.org/presentationml/2006/main">
   <p:cSld>
     <p:spTree>
@@ -3994,7 +4128,7 @@
 </p:sld>
 </file>
 
-<file path=ppt/slides/slide8.xml><?xml version="1.0" encoding="utf-8"?>
+<file path=ppt/slides/slide9.xml><?xml version="1.0" encoding="utf-8"?>
 <p:sld xmlns:a="http://schemas.openxmlformats.org/drawingml/2006/main" xmlns:r="http://schemas.openxmlformats.org/officeDocument/2006/relationships" xmlns:p="http://schemas.openxmlformats.org/presentationml/2006/main">
   <p:cSld>
     <p:spTree>
@@ -4039,80 +4173,6 @@
     <p:extLst>
       <p:ext uri="{BB962C8B-B14F-4D97-AF65-F5344CB8AC3E}">
         <p14:creationId xmlns:p14="http://schemas.microsoft.com/office/powerpoint/2010/main" val="1180580809"/>
-      </p:ext>
-    </p:extLst>
-  </p:cSld>
-  <p:clrMapOvr>
-    <a:masterClrMapping/>
-  </p:clrMapOvr>
-</p:sld>
-</file>
-
-<file path=ppt/slides/slide9.xml><?xml version="1.0" encoding="utf-8"?>
-<p:sld xmlns:a="http://schemas.openxmlformats.org/drawingml/2006/main" xmlns:r="http://schemas.openxmlformats.org/officeDocument/2006/relationships" xmlns:p="http://schemas.openxmlformats.org/presentationml/2006/main">
-  <p:cSld>
-    <p:spTree>
-      <p:nvGrpSpPr>
-        <p:cNvPr id="1" name=""/>
-        <p:cNvGrpSpPr/>
-        <p:nvPr/>
-      </p:nvGrpSpPr>
-      <p:grpSpPr>
-        <a:xfrm>
-          <a:off x="0" y="0"/>
-          <a:ext cx="0" cy="0"/>
-          <a:chOff x="0" y="0"/>
-          <a:chExt cx="0" cy="0"/>
-        </a:xfrm>
-      </p:grpSpPr>
-      <p:pic>
-        <p:nvPicPr>
-          <p:cNvPr id="5" name="그림 7"/>
-          <p:cNvPicPr/>
-          <p:nvPr/>
-        </p:nvPicPr>
-        <p:blipFill>
-          <a:blip r:embed="rId2"/>
-          <a:stretch>
-            <a:fillRect/>
-          </a:stretch>
-        </p:blipFill>
-        <p:spPr>
-          <a:xfrm>
-            <a:off x="1141016" y="1311843"/>
-            <a:ext cx="3899439" cy="4030719"/>
-          </a:xfrm>
-          <a:prstGeom prst="rect">
-            <a:avLst/>
-          </a:prstGeom>
-        </p:spPr>
-      </p:pic>
-      <p:pic>
-        <p:nvPicPr>
-          <p:cNvPr id="7" name="그림 7"/>
-          <p:cNvPicPr/>
-          <p:nvPr/>
-        </p:nvPicPr>
-        <p:blipFill>
-          <a:blip r:embed="rId2"/>
-          <a:stretch>
-            <a:fillRect/>
-          </a:stretch>
-        </p:blipFill>
-        <p:spPr>
-          <a:xfrm>
-            <a:off x="6338027" y="1311843"/>
-            <a:ext cx="3899439" cy="4030719"/>
-          </a:xfrm>
-          <a:prstGeom prst="rect">
-            <a:avLst/>
-          </a:prstGeom>
-        </p:spPr>
-      </p:pic>
-    </p:spTree>
-    <p:extLst>
-      <p:ext uri="{BB962C8B-B14F-4D97-AF65-F5344CB8AC3E}">
-        <p14:creationId xmlns:p14="http://schemas.microsoft.com/office/powerpoint/2010/main" val="1730140811"/>
       </p:ext>
     </p:extLst>
   </p:cSld>

--- a/Images/Figures.pptx
+++ b/Images/Figures.pptx
@@ -5,7 +5,7 @@
     <p:sldMasterId id="2147483648" r:id="rId1"/>
   </p:sldMasterIdLst>
   <p:notesMasterIdLst>
-    <p:notesMasterId r:id="rId15"/>
+    <p:notesMasterId r:id="rId16"/>
   </p:notesMasterIdLst>
   <p:sldIdLst>
     <p:sldId id="261" r:id="rId2"/>
@@ -17,10 +17,11 @@
     <p:sldId id="256" r:id="rId8"/>
     <p:sldId id="259" r:id="rId9"/>
     <p:sldId id="260" r:id="rId10"/>
-    <p:sldId id="265" r:id="rId11"/>
-    <p:sldId id="264" r:id="rId12"/>
-    <p:sldId id="266" r:id="rId13"/>
-    <p:sldId id="267" r:id="rId14"/>
+    <p:sldId id="269" r:id="rId11"/>
+    <p:sldId id="265" r:id="rId12"/>
+    <p:sldId id="264" r:id="rId13"/>
+    <p:sldId id="266" r:id="rId14"/>
+    <p:sldId id="267" r:id="rId15"/>
   </p:sldIdLst>
   <p:sldSz cx="12192000" cy="6858000"/>
   <p:notesSz cx="6858000" cy="9144000"/>
@@ -209,7 +210,7 @@
           <a:p>
             <a:fld id="{D2B9E211-9C08-4C42-A2A8-C62EC400EB01}" type="datetimeFigureOut">
               <a:rPr lang="en-US" smtClean="0"/>
-              <a:t>4/19/2017</a:t>
+              <a:t>4/23/2017</a:t>
             </a:fld>
             <a:endParaRPr lang="en-US"/>
           </a:p>
@@ -608,7 +609,7 @@
           <a:p>
             <a:fld id="{486A5EBE-DDEB-A34C-9AC8-87337965A481}" type="datetimeFigureOut">
               <a:rPr lang="en-US" smtClean="0"/>
-              <a:t>4/19/2017</a:t>
+              <a:t>4/23/2017</a:t>
             </a:fld>
             <a:endParaRPr lang="en-US"/>
           </a:p>
@@ -778,7 +779,7 @@
           <a:p>
             <a:fld id="{486A5EBE-DDEB-A34C-9AC8-87337965A481}" type="datetimeFigureOut">
               <a:rPr lang="en-US" smtClean="0"/>
-              <a:t>4/19/2017</a:t>
+              <a:t>4/23/2017</a:t>
             </a:fld>
             <a:endParaRPr lang="en-US"/>
           </a:p>
@@ -958,7 +959,7 @@
           <a:p>
             <a:fld id="{486A5EBE-DDEB-A34C-9AC8-87337965A481}" type="datetimeFigureOut">
               <a:rPr lang="en-US" smtClean="0"/>
-              <a:t>4/19/2017</a:t>
+              <a:t>4/23/2017</a:t>
             </a:fld>
             <a:endParaRPr lang="en-US"/>
           </a:p>
@@ -1128,7 +1129,7 @@
           <a:p>
             <a:fld id="{486A5EBE-DDEB-A34C-9AC8-87337965A481}" type="datetimeFigureOut">
               <a:rPr lang="en-US" smtClean="0"/>
-              <a:t>4/19/2017</a:t>
+              <a:t>4/23/2017</a:t>
             </a:fld>
             <a:endParaRPr lang="en-US"/>
           </a:p>
@@ -1374,7 +1375,7 @@
           <a:p>
             <a:fld id="{486A5EBE-DDEB-A34C-9AC8-87337965A481}" type="datetimeFigureOut">
               <a:rPr lang="en-US" smtClean="0"/>
-              <a:t>4/19/2017</a:t>
+              <a:t>4/23/2017</a:t>
             </a:fld>
             <a:endParaRPr lang="en-US"/>
           </a:p>
@@ -1606,7 +1607,7 @@
           <a:p>
             <a:fld id="{486A5EBE-DDEB-A34C-9AC8-87337965A481}" type="datetimeFigureOut">
               <a:rPr lang="en-US" smtClean="0"/>
-              <a:t>4/19/2017</a:t>
+              <a:t>4/23/2017</a:t>
             </a:fld>
             <a:endParaRPr lang="en-US"/>
           </a:p>
@@ -1973,7 +1974,7 @@
           <a:p>
             <a:fld id="{486A5EBE-DDEB-A34C-9AC8-87337965A481}" type="datetimeFigureOut">
               <a:rPr lang="en-US" smtClean="0"/>
-              <a:t>4/19/2017</a:t>
+              <a:t>4/23/2017</a:t>
             </a:fld>
             <a:endParaRPr lang="en-US"/>
           </a:p>
@@ -2091,7 +2092,7 @@
           <a:p>
             <a:fld id="{486A5EBE-DDEB-A34C-9AC8-87337965A481}" type="datetimeFigureOut">
               <a:rPr lang="en-US" smtClean="0"/>
-              <a:t>4/19/2017</a:t>
+              <a:t>4/23/2017</a:t>
             </a:fld>
             <a:endParaRPr lang="en-US"/>
           </a:p>
@@ -2186,7 +2187,7 @@
           <a:p>
             <a:fld id="{486A5EBE-DDEB-A34C-9AC8-87337965A481}" type="datetimeFigureOut">
               <a:rPr lang="en-US" smtClean="0"/>
-              <a:t>4/19/2017</a:t>
+              <a:t>4/23/2017</a:t>
             </a:fld>
             <a:endParaRPr lang="en-US"/>
           </a:p>
@@ -2463,7 +2464,7 @@
           <a:p>
             <a:fld id="{486A5EBE-DDEB-A34C-9AC8-87337965A481}" type="datetimeFigureOut">
               <a:rPr lang="en-US" smtClean="0"/>
-              <a:t>4/19/2017</a:t>
+              <a:t>4/23/2017</a:t>
             </a:fld>
             <a:endParaRPr lang="en-US"/>
           </a:p>
@@ -2716,7 +2717,7 @@
           <a:p>
             <a:fld id="{486A5EBE-DDEB-A34C-9AC8-87337965A481}" type="datetimeFigureOut">
               <a:rPr lang="en-US" smtClean="0"/>
-              <a:t>4/19/2017</a:t>
+              <a:t>4/23/2017</a:t>
             </a:fld>
             <a:endParaRPr lang="en-US"/>
           </a:p>
@@ -2929,7 +2930,7 @@
           <a:p>
             <a:fld id="{486A5EBE-DDEB-A34C-9AC8-87337965A481}" type="datetimeFigureOut">
               <a:rPr lang="en-US" smtClean="0"/>
-              <a:t>4/19/2017</a:t>
+              <a:t>4/23/2017</a:t>
             </a:fld>
             <a:endParaRPr lang="en-US"/>
           </a:p>
@@ -3389,6 +3390,60 @@
       </p:grpSpPr>
       <p:pic>
         <p:nvPicPr>
+          <p:cNvPr id="4" name="그림 3"/>
+          <p:cNvPicPr>
+            <a:picLocks noChangeAspect="1"/>
+          </p:cNvPicPr>
+          <p:nvPr/>
+        </p:nvPicPr>
+        <p:blipFill>
+          <a:blip r:embed="rId2"/>
+          <a:stretch>
+            <a:fillRect/>
+          </a:stretch>
+        </p:blipFill>
+        <p:spPr>
+          <a:xfrm>
+            <a:off x="-582803" y="1428750"/>
+            <a:ext cx="13554075" cy="4000500"/>
+          </a:xfrm>
+          <a:prstGeom prst="rect">
+            <a:avLst/>
+          </a:prstGeom>
+        </p:spPr>
+      </p:pic>
+    </p:spTree>
+    <p:extLst>
+      <p:ext uri="{BB962C8B-B14F-4D97-AF65-F5344CB8AC3E}">
+        <p14:creationId xmlns:p14="http://schemas.microsoft.com/office/powerpoint/2010/main" val="1632695955"/>
+      </p:ext>
+    </p:extLst>
+  </p:cSld>
+  <p:clrMapOvr>
+    <a:masterClrMapping/>
+  </p:clrMapOvr>
+</p:sld>
+</file>
+
+<file path=ppt/slides/slide11.xml><?xml version="1.0" encoding="utf-8"?>
+<p:sld xmlns:a="http://schemas.openxmlformats.org/drawingml/2006/main" xmlns:r="http://schemas.openxmlformats.org/officeDocument/2006/relationships" xmlns:p="http://schemas.openxmlformats.org/presentationml/2006/main">
+  <p:cSld>
+    <p:spTree>
+      <p:nvGrpSpPr>
+        <p:cNvPr id="1" name=""/>
+        <p:cNvGrpSpPr/>
+        <p:nvPr/>
+      </p:nvGrpSpPr>
+      <p:grpSpPr>
+        <a:xfrm>
+          <a:off x="0" y="0"/>
+          <a:ext cx="0" cy="0"/>
+          <a:chOff x="0" y="0"/>
+          <a:chExt cx="0" cy="0"/>
+        </a:xfrm>
+      </p:grpSpPr>
+      <p:pic>
+        <p:nvPicPr>
           <p:cNvPr id="5" name="그림 7"/>
           <p:cNvPicPr/>
           <p:nvPr/>
@@ -3444,7 +3499,7 @@
 </p:sld>
 </file>
 
-<file path=ppt/slides/slide11.xml><?xml version="1.0" encoding="utf-8"?>
+<file path=ppt/slides/slide12.xml><?xml version="1.0" encoding="utf-8"?>
 <p:sld xmlns:a="http://schemas.openxmlformats.org/drawingml/2006/main" xmlns:r="http://schemas.openxmlformats.org/officeDocument/2006/relationships" xmlns:p="http://schemas.openxmlformats.org/presentationml/2006/main">
   <p:cSld>
     <p:spTree>
@@ -3497,7 +3552,7 @@
 </p:sld>
 </file>
 
-<file path=ppt/slides/slide12.xml><?xml version="1.0" encoding="utf-8"?>
+<file path=ppt/slides/slide13.xml><?xml version="1.0" encoding="utf-8"?>
 <p:sld xmlns:a="http://schemas.openxmlformats.org/drawingml/2006/main" xmlns:r="http://schemas.openxmlformats.org/officeDocument/2006/relationships" xmlns:p="http://schemas.openxmlformats.org/presentationml/2006/main">
   <p:cSld>
     <p:spTree>
@@ -3557,7 +3612,7 @@
 </p:sld>
 </file>
 
-<file path=ppt/slides/slide13.xml><?xml version="1.0" encoding="utf-8"?>
+<file path=ppt/slides/slide14.xml><?xml version="1.0" encoding="utf-8"?>
 <p:sld xmlns:a="http://schemas.openxmlformats.org/drawingml/2006/main" xmlns:r="http://schemas.openxmlformats.org/officeDocument/2006/relationships" xmlns:p="http://schemas.openxmlformats.org/presentationml/2006/main">
   <p:cSld>
     <p:spTree>
@@ -3735,7 +3790,7 @@
           <a:graphicData uri="http://schemas.openxmlformats.org/presentationml/2006/ole">
             <mc:AlternateContent xmlns:mc="http://schemas.openxmlformats.org/markup-compatibility/2006">
               <mc:Choice xmlns:v="urn:schemas-microsoft-com:vml" Requires="v">
-                <p:oleObj spid="_x0000_s4104" r:id="rId3" imgW="8077200" imgH="6870700" progId="Visio.Drawing.15">
+                <p:oleObj spid="_x0000_s4106" r:id="rId3" imgW="8077200" imgH="6870700" progId="Visio.Drawing.15">
                   <p:embed/>
                 </p:oleObj>
               </mc:Choice>

--- a/Images/Figures.pptx
+++ b/Images/Figures.pptx
@@ -210,7 +210,7 @@
           <a:p>
             <a:fld id="{D2B9E211-9C08-4C42-A2A8-C62EC400EB01}" type="datetimeFigureOut">
               <a:rPr lang="en-US" smtClean="0"/>
-              <a:t>4/23/2017</a:t>
+              <a:t>4/25/2017</a:t>
             </a:fld>
             <a:endParaRPr lang="en-US"/>
           </a:p>
@@ -609,7 +609,7 @@
           <a:p>
             <a:fld id="{486A5EBE-DDEB-A34C-9AC8-87337965A481}" type="datetimeFigureOut">
               <a:rPr lang="en-US" smtClean="0"/>
-              <a:t>4/23/2017</a:t>
+              <a:t>4/25/2017</a:t>
             </a:fld>
             <a:endParaRPr lang="en-US"/>
           </a:p>
@@ -779,7 +779,7 @@
           <a:p>
             <a:fld id="{486A5EBE-DDEB-A34C-9AC8-87337965A481}" type="datetimeFigureOut">
               <a:rPr lang="en-US" smtClean="0"/>
-              <a:t>4/23/2017</a:t>
+              <a:t>4/25/2017</a:t>
             </a:fld>
             <a:endParaRPr lang="en-US"/>
           </a:p>
@@ -959,7 +959,7 @@
           <a:p>
             <a:fld id="{486A5EBE-DDEB-A34C-9AC8-87337965A481}" type="datetimeFigureOut">
               <a:rPr lang="en-US" smtClean="0"/>
-              <a:t>4/23/2017</a:t>
+              <a:t>4/25/2017</a:t>
             </a:fld>
             <a:endParaRPr lang="en-US"/>
           </a:p>
@@ -1129,7 +1129,7 @@
           <a:p>
             <a:fld id="{486A5EBE-DDEB-A34C-9AC8-87337965A481}" type="datetimeFigureOut">
               <a:rPr lang="en-US" smtClean="0"/>
-              <a:t>4/23/2017</a:t>
+              <a:t>4/25/2017</a:t>
             </a:fld>
             <a:endParaRPr lang="en-US"/>
           </a:p>
@@ -1375,7 +1375,7 @@
           <a:p>
             <a:fld id="{486A5EBE-DDEB-A34C-9AC8-87337965A481}" type="datetimeFigureOut">
               <a:rPr lang="en-US" smtClean="0"/>
-              <a:t>4/23/2017</a:t>
+              <a:t>4/25/2017</a:t>
             </a:fld>
             <a:endParaRPr lang="en-US"/>
           </a:p>
@@ -1607,7 +1607,7 @@
           <a:p>
             <a:fld id="{486A5EBE-DDEB-A34C-9AC8-87337965A481}" type="datetimeFigureOut">
               <a:rPr lang="en-US" smtClean="0"/>
-              <a:t>4/23/2017</a:t>
+              <a:t>4/25/2017</a:t>
             </a:fld>
             <a:endParaRPr lang="en-US"/>
           </a:p>
@@ -1974,7 +1974,7 @@
           <a:p>
             <a:fld id="{486A5EBE-DDEB-A34C-9AC8-87337965A481}" type="datetimeFigureOut">
               <a:rPr lang="en-US" smtClean="0"/>
-              <a:t>4/23/2017</a:t>
+              <a:t>4/25/2017</a:t>
             </a:fld>
             <a:endParaRPr lang="en-US"/>
           </a:p>
@@ -2092,7 +2092,7 @@
           <a:p>
             <a:fld id="{486A5EBE-DDEB-A34C-9AC8-87337965A481}" type="datetimeFigureOut">
               <a:rPr lang="en-US" smtClean="0"/>
-              <a:t>4/23/2017</a:t>
+              <a:t>4/25/2017</a:t>
             </a:fld>
             <a:endParaRPr lang="en-US"/>
           </a:p>
@@ -2187,7 +2187,7 @@
           <a:p>
             <a:fld id="{486A5EBE-DDEB-A34C-9AC8-87337965A481}" type="datetimeFigureOut">
               <a:rPr lang="en-US" smtClean="0"/>
-              <a:t>4/23/2017</a:t>
+              <a:t>4/25/2017</a:t>
             </a:fld>
             <a:endParaRPr lang="en-US"/>
           </a:p>
@@ -2464,7 +2464,7 @@
           <a:p>
             <a:fld id="{486A5EBE-DDEB-A34C-9AC8-87337965A481}" type="datetimeFigureOut">
               <a:rPr lang="en-US" smtClean="0"/>
-              <a:t>4/23/2017</a:t>
+              <a:t>4/25/2017</a:t>
             </a:fld>
             <a:endParaRPr lang="en-US"/>
           </a:p>
@@ -2717,7 +2717,7 @@
           <a:p>
             <a:fld id="{486A5EBE-DDEB-A34C-9AC8-87337965A481}" type="datetimeFigureOut">
               <a:rPr lang="en-US" smtClean="0"/>
-              <a:t>4/23/2017</a:t>
+              <a:t>4/25/2017</a:t>
             </a:fld>
             <a:endParaRPr lang="en-US"/>
           </a:p>
@@ -2930,7 +2930,7 @@
           <a:p>
             <a:fld id="{486A5EBE-DDEB-A34C-9AC8-87337965A481}" type="datetimeFigureOut">
               <a:rPr lang="en-US" smtClean="0"/>
-              <a:t>4/23/2017</a:t>
+              <a:t>4/25/2017</a:t>
             </a:fld>
             <a:endParaRPr lang="en-US"/>
           </a:p>
@@ -3790,7 +3790,7 @@
           <a:graphicData uri="http://schemas.openxmlformats.org/presentationml/2006/ole">
             <mc:AlternateContent xmlns:mc="http://schemas.openxmlformats.org/markup-compatibility/2006">
               <mc:Choice xmlns:v="urn:schemas-microsoft-com:vml" Requires="v">
-                <p:oleObj spid="_x0000_s4106" r:id="rId3" imgW="8077200" imgH="6870700" progId="Visio.Drawing.15">
+                <p:oleObj spid="_x0000_s4107" r:id="rId3" imgW="8077200" imgH="6870700" progId="Visio.Drawing.15">
                   <p:embed/>
                 </p:oleObj>
               </mc:Choice>

--- a/Images/Figures.pptx
+++ b/Images/Figures.pptx
@@ -5,23 +5,29 @@
     <p:sldMasterId id="2147483648" r:id="rId1"/>
   </p:sldMasterIdLst>
   <p:notesMasterIdLst>
-    <p:notesMasterId r:id="rId16"/>
+    <p:notesMasterId r:id="rId22"/>
   </p:notesMasterIdLst>
   <p:sldIdLst>
     <p:sldId id="261" r:id="rId2"/>
-    <p:sldId id="257" r:id="rId3"/>
-    <p:sldId id="268" r:id="rId4"/>
-    <p:sldId id="262" r:id="rId5"/>
-    <p:sldId id="263" r:id="rId6"/>
-    <p:sldId id="258" r:id="rId7"/>
-    <p:sldId id="256" r:id="rId8"/>
-    <p:sldId id="259" r:id="rId9"/>
-    <p:sldId id="260" r:id="rId10"/>
-    <p:sldId id="269" r:id="rId11"/>
-    <p:sldId id="265" r:id="rId12"/>
-    <p:sldId id="264" r:id="rId13"/>
-    <p:sldId id="266" r:id="rId14"/>
-    <p:sldId id="267" r:id="rId15"/>
+    <p:sldId id="270" r:id="rId3"/>
+    <p:sldId id="272" r:id="rId4"/>
+    <p:sldId id="273" r:id="rId5"/>
+    <p:sldId id="274" r:id="rId6"/>
+    <p:sldId id="271" r:id="rId7"/>
+    <p:sldId id="257" r:id="rId8"/>
+    <p:sldId id="268" r:id="rId9"/>
+    <p:sldId id="275" r:id="rId10"/>
+    <p:sldId id="262" r:id="rId11"/>
+    <p:sldId id="263" r:id="rId12"/>
+    <p:sldId id="258" r:id="rId13"/>
+    <p:sldId id="256" r:id="rId14"/>
+    <p:sldId id="259" r:id="rId15"/>
+    <p:sldId id="260" r:id="rId16"/>
+    <p:sldId id="269" r:id="rId17"/>
+    <p:sldId id="265" r:id="rId18"/>
+    <p:sldId id="264" r:id="rId19"/>
+    <p:sldId id="266" r:id="rId20"/>
+    <p:sldId id="267" r:id="rId21"/>
   </p:sldIdLst>
   <p:sldSz cx="12192000" cy="6858000"/>
   <p:notesSz cx="6858000" cy="9144000"/>
@@ -3352,7 +3358,7 @@
           <a:p>
             <a:r>
               <a:rPr lang="en-US" dirty="0" smtClean="0"/>
-              <a:t>MDP</a:t>
+              <a:t>Method Diagram</a:t>
             </a:r>
             <a:endParaRPr lang="en-US" dirty="0"/>
           </a:p>
@@ -3372,6 +3378,332 @@
 </file>
 
 <file path=ppt/slides/slide10.xml><?xml version="1.0" encoding="utf-8"?>
+<p:sld xmlns:a="http://schemas.openxmlformats.org/drawingml/2006/main" xmlns:r="http://schemas.openxmlformats.org/officeDocument/2006/relationships" xmlns:p="http://schemas.openxmlformats.org/presentationml/2006/main">
+  <p:cSld>
+    <p:spTree>
+      <p:nvGrpSpPr>
+        <p:cNvPr id="1" name=""/>
+        <p:cNvGrpSpPr/>
+        <p:nvPr/>
+      </p:nvGrpSpPr>
+      <p:grpSpPr>
+        <a:xfrm>
+          <a:off x="0" y="0"/>
+          <a:ext cx="0" cy="0"/>
+          <a:chOff x="0" y="0"/>
+          <a:chExt cx="0" cy="0"/>
+        </a:xfrm>
+      </p:grpSpPr>
+      <p:sp>
+        <p:nvSpPr>
+          <p:cNvPr id="2" name="Title 1"/>
+          <p:cNvSpPr>
+            <a:spLocks noGrp="1"/>
+          </p:cNvSpPr>
+          <p:nvPr>
+            <p:ph type="title"/>
+          </p:nvPr>
+        </p:nvSpPr>
+        <p:spPr/>
+        <p:txBody>
+          <a:bodyPr/>
+          <a:lstStyle/>
+          <a:p>
+            <a:r>
+              <a:rPr lang="en-US" dirty="0" smtClean="0"/>
+              <a:t>Result</a:t>
+            </a:r>
+            <a:endParaRPr lang="en-US" dirty="0"/>
+          </a:p>
+        </p:txBody>
+      </p:sp>
+    </p:spTree>
+    <p:extLst>
+      <p:ext uri="{BB962C8B-B14F-4D97-AF65-F5344CB8AC3E}">
+        <p14:creationId xmlns:p14="http://schemas.microsoft.com/office/powerpoint/2010/main" val="1674361981"/>
+      </p:ext>
+    </p:extLst>
+  </p:cSld>
+  <p:clrMapOvr>
+    <a:masterClrMapping/>
+  </p:clrMapOvr>
+</p:sld>
+</file>
+
+<file path=ppt/slides/slide11.xml><?xml version="1.0" encoding="utf-8"?>
+<p:sld xmlns:a="http://schemas.openxmlformats.org/drawingml/2006/main" xmlns:r="http://schemas.openxmlformats.org/officeDocument/2006/relationships" xmlns:p="http://schemas.openxmlformats.org/presentationml/2006/main">
+  <p:cSld>
+    <p:spTree>
+      <p:nvGrpSpPr>
+        <p:cNvPr id="1" name=""/>
+        <p:cNvGrpSpPr/>
+        <p:nvPr/>
+      </p:nvGrpSpPr>
+      <p:grpSpPr>
+        <a:xfrm>
+          <a:off x="0" y="0"/>
+          <a:ext cx="0" cy="0"/>
+          <a:chOff x="0" y="0"/>
+          <a:chExt cx="0" cy="0"/>
+        </a:xfrm>
+      </p:grpSpPr>
+      <p:pic>
+        <p:nvPicPr>
+          <p:cNvPr id="4" name="그림 1"/>
+          <p:cNvPicPr/>
+          <p:nvPr/>
+        </p:nvPicPr>
+        <p:blipFill>
+          <a:blip r:embed="rId2">
+            <a:extLst>
+              <a:ext uri="{28A0092B-C50C-407E-A947-70E740481C1C}">
+                <a14:useLocalDpi xmlns:a14="http://schemas.microsoft.com/office/drawing/2010/main" val="0"/>
+              </a:ext>
+            </a:extLst>
+          </a:blip>
+          <a:stretch>
+            <a:fillRect/>
+          </a:stretch>
+        </p:blipFill>
+        <p:spPr>
+          <a:xfrm>
+            <a:off x="3249705" y="1317158"/>
+            <a:ext cx="5596344" cy="4271984"/>
+          </a:xfrm>
+          <a:prstGeom prst="rect">
+            <a:avLst/>
+          </a:prstGeom>
+        </p:spPr>
+      </p:pic>
+    </p:spTree>
+    <p:extLst>
+      <p:ext uri="{BB962C8B-B14F-4D97-AF65-F5344CB8AC3E}">
+        <p14:creationId xmlns:p14="http://schemas.microsoft.com/office/powerpoint/2010/main" val="376104379"/>
+      </p:ext>
+    </p:extLst>
+  </p:cSld>
+  <p:clrMapOvr>
+    <a:masterClrMapping/>
+  </p:clrMapOvr>
+</p:sld>
+</file>
+
+<file path=ppt/slides/slide12.xml><?xml version="1.0" encoding="utf-8"?>
+<p:sld xmlns:a="http://schemas.openxmlformats.org/drawingml/2006/main" xmlns:r="http://schemas.openxmlformats.org/officeDocument/2006/relationships" xmlns:p="http://schemas.openxmlformats.org/presentationml/2006/main">
+  <p:cSld>
+    <p:spTree>
+      <p:nvGrpSpPr>
+        <p:cNvPr id="1" name=""/>
+        <p:cNvGrpSpPr/>
+        <p:nvPr/>
+      </p:nvGrpSpPr>
+      <p:grpSpPr>
+        <a:xfrm>
+          <a:off x="0" y="0"/>
+          <a:ext cx="0" cy="0"/>
+          <a:chOff x="0" y="0"/>
+          <a:chExt cx="0" cy="0"/>
+        </a:xfrm>
+      </p:grpSpPr>
+      <p:sp>
+        <p:nvSpPr>
+          <p:cNvPr id="2" name="Title 1"/>
+          <p:cNvSpPr>
+            <a:spLocks noGrp="1"/>
+          </p:cNvSpPr>
+          <p:nvPr>
+            <p:ph type="title"/>
+          </p:nvPr>
+        </p:nvSpPr>
+        <p:spPr/>
+        <p:txBody>
+          <a:bodyPr/>
+          <a:lstStyle/>
+          <a:p>
+            <a:r>
+              <a:rPr lang="en-US" dirty="0" smtClean="0"/>
+              <a:t>Verification and Validation</a:t>
+            </a:r>
+            <a:endParaRPr lang="en-US" dirty="0"/>
+          </a:p>
+        </p:txBody>
+      </p:sp>
+    </p:spTree>
+    <p:extLst>
+      <p:ext uri="{BB962C8B-B14F-4D97-AF65-F5344CB8AC3E}">
+        <p14:creationId xmlns:p14="http://schemas.microsoft.com/office/powerpoint/2010/main" val="1504794093"/>
+      </p:ext>
+    </p:extLst>
+  </p:cSld>
+  <p:clrMapOvr>
+    <a:masterClrMapping/>
+  </p:clrMapOvr>
+</p:sld>
+</file>
+
+<file path=ppt/slides/slide13.xml><?xml version="1.0" encoding="utf-8"?>
+<p:sld xmlns:a="http://schemas.openxmlformats.org/drawingml/2006/main" xmlns:r="http://schemas.openxmlformats.org/officeDocument/2006/relationships" xmlns:p="http://schemas.openxmlformats.org/presentationml/2006/main">
+  <p:cSld>
+    <p:spTree>
+      <p:nvGrpSpPr>
+        <p:cNvPr id="1" name=""/>
+        <p:cNvGrpSpPr/>
+        <p:nvPr/>
+      </p:nvGrpSpPr>
+      <p:grpSpPr>
+        <a:xfrm>
+          <a:off x="0" y="0"/>
+          <a:ext cx="0" cy="0"/>
+          <a:chOff x="0" y="0"/>
+          <a:chExt cx="0" cy="0"/>
+        </a:xfrm>
+      </p:grpSpPr>
+      <p:pic>
+        <p:nvPicPr>
+          <p:cNvPr id="4" name="Picture 3"/>
+          <p:cNvPicPr>
+            <a:picLocks noChangeAspect="1"/>
+          </p:cNvPicPr>
+          <p:nvPr/>
+        </p:nvPicPr>
+        <p:blipFill>
+          <a:blip r:embed="rId2"/>
+          <a:stretch>
+            <a:fillRect/>
+          </a:stretch>
+        </p:blipFill>
+        <p:spPr>
+          <a:xfrm>
+            <a:off x="2540000" y="762000"/>
+            <a:ext cx="7112000" cy="5334000"/>
+          </a:xfrm>
+          <a:prstGeom prst="rect">
+            <a:avLst/>
+          </a:prstGeom>
+        </p:spPr>
+      </p:pic>
+    </p:spTree>
+    <p:extLst>
+      <p:ext uri="{BB962C8B-B14F-4D97-AF65-F5344CB8AC3E}">
+        <p14:creationId xmlns:p14="http://schemas.microsoft.com/office/powerpoint/2010/main" val="673784714"/>
+      </p:ext>
+    </p:extLst>
+  </p:cSld>
+  <p:clrMapOvr>
+    <a:masterClrMapping/>
+  </p:clrMapOvr>
+</p:sld>
+</file>
+
+<file path=ppt/slides/slide14.xml><?xml version="1.0" encoding="utf-8"?>
+<p:sld xmlns:a="http://schemas.openxmlformats.org/drawingml/2006/main" xmlns:r="http://schemas.openxmlformats.org/officeDocument/2006/relationships" xmlns:p="http://schemas.openxmlformats.org/presentationml/2006/main">
+  <p:cSld>
+    <p:spTree>
+      <p:nvGrpSpPr>
+        <p:cNvPr id="1" name=""/>
+        <p:cNvGrpSpPr/>
+        <p:nvPr/>
+      </p:nvGrpSpPr>
+      <p:grpSpPr>
+        <a:xfrm>
+          <a:off x="0" y="0"/>
+          <a:ext cx="0" cy="0"/>
+          <a:chOff x="0" y="0"/>
+          <a:chExt cx="0" cy="0"/>
+        </a:xfrm>
+      </p:grpSpPr>
+      <p:pic>
+        <p:nvPicPr>
+          <p:cNvPr id="4" name="Picture 3"/>
+          <p:cNvPicPr>
+            <a:picLocks noChangeAspect="1"/>
+          </p:cNvPicPr>
+          <p:nvPr/>
+        </p:nvPicPr>
+        <p:blipFill>
+          <a:blip r:embed="rId2"/>
+          <a:stretch>
+            <a:fillRect/>
+          </a:stretch>
+        </p:blipFill>
+        <p:spPr>
+          <a:xfrm>
+            <a:off x="2540000" y="762000"/>
+            <a:ext cx="7112000" cy="5334000"/>
+          </a:xfrm>
+          <a:prstGeom prst="rect">
+            <a:avLst/>
+          </a:prstGeom>
+        </p:spPr>
+      </p:pic>
+    </p:spTree>
+    <p:extLst>
+      <p:ext uri="{BB962C8B-B14F-4D97-AF65-F5344CB8AC3E}">
+        <p14:creationId xmlns:p14="http://schemas.microsoft.com/office/powerpoint/2010/main" val="571965583"/>
+      </p:ext>
+    </p:extLst>
+  </p:cSld>
+  <p:clrMapOvr>
+    <a:masterClrMapping/>
+  </p:clrMapOvr>
+</p:sld>
+</file>
+
+<file path=ppt/slides/slide15.xml><?xml version="1.0" encoding="utf-8"?>
+<p:sld xmlns:a="http://schemas.openxmlformats.org/drawingml/2006/main" xmlns:r="http://schemas.openxmlformats.org/officeDocument/2006/relationships" xmlns:p="http://schemas.openxmlformats.org/presentationml/2006/main">
+  <p:cSld>
+    <p:spTree>
+      <p:nvGrpSpPr>
+        <p:cNvPr id="1" name=""/>
+        <p:cNvGrpSpPr/>
+        <p:nvPr/>
+      </p:nvGrpSpPr>
+      <p:grpSpPr>
+        <a:xfrm>
+          <a:off x="0" y="0"/>
+          <a:ext cx="0" cy="0"/>
+          <a:chOff x="0" y="0"/>
+          <a:chExt cx="0" cy="0"/>
+        </a:xfrm>
+      </p:grpSpPr>
+      <p:pic>
+        <p:nvPicPr>
+          <p:cNvPr id="4" name="Picture 3"/>
+          <p:cNvPicPr>
+            <a:picLocks noChangeAspect="1"/>
+          </p:cNvPicPr>
+          <p:nvPr/>
+        </p:nvPicPr>
+        <p:blipFill>
+          <a:blip r:embed="rId2"/>
+          <a:stretch>
+            <a:fillRect/>
+          </a:stretch>
+        </p:blipFill>
+        <p:spPr>
+          <a:xfrm>
+            <a:off x="2540000" y="762000"/>
+            <a:ext cx="7112000" cy="5334000"/>
+          </a:xfrm>
+          <a:prstGeom prst="rect">
+            <a:avLst/>
+          </a:prstGeom>
+        </p:spPr>
+      </p:pic>
+    </p:spTree>
+    <p:extLst>
+      <p:ext uri="{BB962C8B-B14F-4D97-AF65-F5344CB8AC3E}">
+        <p14:creationId xmlns:p14="http://schemas.microsoft.com/office/powerpoint/2010/main" val="1180580809"/>
+      </p:ext>
+    </p:extLst>
+  </p:cSld>
+  <p:clrMapOvr>
+    <a:masterClrMapping/>
+  </p:clrMapOvr>
+</p:sld>
+</file>
+
+<file path=ppt/slides/slide16.xml><?xml version="1.0" encoding="utf-8"?>
 <p:sld xmlns:a="http://schemas.openxmlformats.org/drawingml/2006/main" xmlns:r="http://schemas.openxmlformats.org/officeDocument/2006/relationships" xmlns:p="http://schemas.openxmlformats.org/presentationml/2006/main">
   <p:cSld>
     <p:spTree>
@@ -3425,7 +3757,7 @@
 </p:sld>
 </file>
 
-<file path=ppt/slides/slide11.xml><?xml version="1.0" encoding="utf-8"?>
+<file path=ppt/slides/slide17.xml><?xml version="1.0" encoding="utf-8"?>
 <p:sld xmlns:a="http://schemas.openxmlformats.org/drawingml/2006/main" xmlns:r="http://schemas.openxmlformats.org/officeDocument/2006/relationships" xmlns:p="http://schemas.openxmlformats.org/presentationml/2006/main">
   <p:cSld>
     <p:spTree>
@@ -3499,7 +3831,7 @@
 </p:sld>
 </file>
 
-<file path=ppt/slides/slide12.xml><?xml version="1.0" encoding="utf-8"?>
+<file path=ppt/slides/slide18.xml><?xml version="1.0" encoding="utf-8"?>
 <p:sld xmlns:a="http://schemas.openxmlformats.org/drawingml/2006/main" xmlns:r="http://schemas.openxmlformats.org/officeDocument/2006/relationships" xmlns:p="http://schemas.openxmlformats.org/presentationml/2006/main">
   <p:cSld>
     <p:spTree>
@@ -3552,7 +3884,7 @@
 </p:sld>
 </file>
 
-<file path=ppt/slides/slide13.xml><?xml version="1.0" encoding="utf-8"?>
+<file path=ppt/slides/slide19.xml><?xml version="1.0" encoding="utf-8"?>
 <p:sld xmlns:a="http://schemas.openxmlformats.org/drawingml/2006/main" xmlns:r="http://schemas.openxmlformats.org/officeDocument/2006/relationships" xmlns:p="http://schemas.openxmlformats.org/presentationml/2006/main">
   <p:cSld>
     <p:spTree>
@@ -3612,7 +3944,61 @@
 </p:sld>
 </file>
 
-<file path=ppt/slides/slide14.xml><?xml version="1.0" encoding="utf-8"?>
+<file path=ppt/slides/slide2.xml><?xml version="1.0" encoding="utf-8"?>
+<p:sld xmlns:a="http://schemas.openxmlformats.org/drawingml/2006/main" xmlns:r="http://schemas.openxmlformats.org/officeDocument/2006/relationships" xmlns:p="http://schemas.openxmlformats.org/presentationml/2006/main">
+  <p:cSld>
+    <p:spTree>
+      <p:nvGrpSpPr>
+        <p:cNvPr id="1" name=""/>
+        <p:cNvGrpSpPr/>
+        <p:nvPr/>
+      </p:nvGrpSpPr>
+      <p:grpSpPr>
+        <a:xfrm>
+          <a:off x="0" y="0"/>
+          <a:ext cx="0" cy="0"/>
+          <a:chOff x="0" y="0"/>
+          <a:chExt cx="0" cy="0"/>
+        </a:xfrm>
+      </p:grpSpPr>
+      <p:pic>
+        <p:nvPicPr>
+          <p:cNvPr id="5" name="그림 4"/>
+          <p:cNvPicPr>
+            <a:picLocks noChangeAspect="1"/>
+          </p:cNvPicPr>
+          <p:nvPr/>
+        </p:nvPicPr>
+        <p:blipFill>
+          <a:blip r:embed="rId2"/>
+          <a:stretch>
+            <a:fillRect/>
+          </a:stretch>
+        </p:blipFill>
+        <p:spPr>
+          <a:xfrm>
+            <a:off x="462325" y="251208"/>
+            <a:ext cx="11222816" cy="6330461"/>
+          </a:xfrm>
+          <a:prstGeom prst="rect">
+            <a:avLst/>
+          </a:prstGeom>
+        </p:spPr>
+      </p:pic>
+    </p:spTree>
+    <p:extLst>
+      <p:ext uri="{BB962C8B-B14F-4D97-AF65-F5344CB8AC3E}">
+        <p14:creationId xmlns:p14="http://schemas.microsoft.com/office/powerpoint/2010/main" val="4114664922"/>
+      </p:ext>
+    </p:extLst>
+  </p:cSld>
+  <p:clrMapOvr>
+    <a:masterClrMapping/>
+  </p:clrMapOvr>
+</p:sld>
+</file>
+
+<file path=ppt/slides/slide20.xml><?xml version="1.0" encoding="utf-8"?>
 <p:sld xmlns:a="http://schemas.openxmlformats.org/drawingml/2006/main" xmlns:r="http://schemas.openxmlformats.org/officeDocument/2006/relationships" xmlns:p="http://schemas.openxmlformats.org/presentationml/2006/main">
   <p:cSld>
     <p:spTree>
@@ -3686,7 +4072,222 @@
 </p:sld>
 </file>
 
-<file path=ppt/slides/slide2.xml><?xml version="1.0" encoding="utf-8"?>
+<file path=ppt/slides/slide3.xml><?xml version="1.0" encoding="utf-8"?>
+<p:sld xmlns:a="http://schemas.openxmlformats.org/drawingml/2006/main" xmlns:r="http://schemas.openxmlformats.org/officeDocument/2006/relationships" xmlns:p="http://schemas.openxmlformats.org/presentationml/2006/main">
+  <p:cSld>
+    <p:spTree>
+      <p:nvGrpSpPr>
+        <p:cNvPr id="1" name=""/>
+        <p:cNvGrpSpPr/>
+        <p:nvPr/>
+      </p:nvGrpSpPr>
+      <p:grpSpPr>
+        <a:xfrm>
+          <a:off x="0" y="0"/>
+          <a:ext cx="0" cy="0"/>
+          <a:chOff x="0" y="0"/>
+          <a:chExt cx="0" cy="0"/>
+        </a:xfrm>
+      </p:grpSpPr>
+      <p:pic>
+        <p:nvPicPr>
+          <p:cNvPr id="4" name="그림 3"/>
+          <p:cNvPicPr>
+            <a:picLocks noChangeAspect="1"/>
+          </p:cNvPicPr>
+          <p:nvPr/>
+        </p:nvPicPr>
+        <p:blipFill>
+          <a:blip r:embed="rId2"/>
+          <a:stretch>
+            <a:fillRect/>
+          </a:stretch>
+        </p:blipFill>
+        <p:spPr>
+          <a:xfrm>
+            <a:off x="818604" y="452176"/>
+            <a:ext cx="10777467" cy="6079253"/>
+          </a:xfrm>
+          <a:prstGeom prst="rect">
+            <a:avLst/>
+          </a:prstGeom>
+        </p:spPr>
+      </p:pic>
+    </p:spTree>
+    <p:extLst>
+      <p:ext uri="{BB962C8B-B14F-4D97-AF65-F5344CB8AC3E}">
+        <p14:creationId xmlns:p14="http://schemas.microsoft.com/office/powerpoint/2010/main" val="4166576750"/>
+      </p:ext>
+    </p:extLst>
+  </p:cSld>
+  <p:clrMapOvr>
+    <a:masterClrMapping/>
+  </p:clrMapOvr>
+</p:sld>
+</file>
+
+<file path=ppt/slides/slide4.xml><?xml version="1.0" encoding="utf-8"?>
+<p:sld xmlns:a="http://schemas.openxmlformats.org/drawingml/2006/main" xmlns:r="http://schemas.openxmlformats.org/officeDocument/2006/relationships" xmlns:p="http://schemas.openxmlformats.org/presentationml/2006/main">
+  <p:cSld>
+    <p:spTree>
+      <p:nvGrpSpPr>
+        <p:cNvPr id="1" name=""/>
+        <p:cNvGrpSpPr/>
+        <p:nvPr/>
+      </p:nvGrpSpPr>
+      <p:grpSpPr>
+        <a:xfrm>
+          <a:off x="0" y="0"/>
+          <a:ext cx="0" cy="0"/>
+          <a:chOff x="0" y="0"/>
+          <a:chExt cx="0" cy="0"/>
+        </a:xfrm>
+      </p:grpSpPr>
+      <p:pic>
+        <p:nvPicPr>
+          <p:cNvPr id="4" name="그림 3"/>
+          <p:cNvPicPr>
+            <a:picLocks noChangeAspect="1"/>
+          </p:cNvPicPr>
+          <p:nvPr/>
+        </p:nvPicPr>
+        <p:blipFill>
+          <a:blip r:embed="rId2"/>
+          <a:stretch>
+            <a:fillRect/>
+          </a:stretch>
+        </p:blipFill>
+        <p:spPr>
+          <a:xfrm>
+            <a:off x="522515" y="285160"/>
+            <a:ext cx="11162626" cy="6296510"/>
+          </a:xfrm>
+          <a:prstGeom prst="rect">
+            <a:avLst/>
+          </a:prstGeom>
+        </p:spPr>
+      </p:pic>
+    </p:spTree>
+    <p:extLst>
+      <p:ext uri="{BB962C8B-B14F-4D97-AF65-F5344CB8AC3E}">
+        <p14:creationId xmlns:p14="http://schemas.microsoft.com/office/powerpoint/2010/main" val="116720550"/>
+      </p:ext>
+    </p:extLst>
+  </p:cSld>
+  <p:clrMapOvr>
+    <a:masterClrMapping/>
+  </p:clrMapOvr>
+</p:sld>
+</file>
+
+<file path=ppt/slides/slide5.xml><?xml version="1.0" encoding="utf-8"?>
+<p:sld xmlns:a="http://schemas.openxmlformats.org/drawingml/2006/main" xmlns:r="http://schemas.openxmlformats.org/officeDocument/2006/relationships" xmlns:p="http://schemas.openxmlformats.org/presentationml/2006/main">
+  <p:cSld>
+    <p:spTree>
+      <p:nvGrpSpPr>
+        <p:cNvPr id="1" name=""/>
+        <p:cNvGrpSpPr/>
+        <p:nvPr/>
+      </p:nvGrpSpPr>
+      <p:grpSpPr>
+        <a:xfrm>
+          <a:off x="0" y="0"/>
+          <a:ext cx="0" cy="0"/>
+          <a:chOff x="0" y="0"/>
+          <a:chExt cx="0" cy="0"/>
+        </a:xfrm>
+      </p:grpSpPr>
+      <p:pic>
+        <p:nvPicPr>
+          <p:cNvPr id="4" name="그림 3"/>
+          <p:cNvPicPr>
+            <a:picLocks noChangeAspect="1"/>
+          </p:cNvPicPr>
+          <p:nvPr/>
+        </p:nvPicPr>
+        <p:blipFill>
+          <a:blip r:embed="rId2"/>
+          <a:stretch>
+            <a:fillRect/>
+          </a:stretch>
+        </p:blipFill>
+        <p:spPr>
+          <a:xfrm>
+            <a:off x="569208" y="311499"/>
+            <a:ext cx="11026863" cy="6219930"/>
+          </a:xfrm>
+          <a:prstGeom prst="rect">
+            <a:avLst/>
+          </a:prstGeom>
+        </p:spPr>
+      </p:pic>
+    </p:spTree>
+    <p:extLst>
+      <p:ext uri="{BB962C8B-B14F-4D97-AF65-F5344CB8AC3E}">
+        <p14:creationId xmlns:p14="http://schemas.microsoft.com/office/powerpoint/2010/main" val="2121079201"/>
+      </p:ext>
+    </p:extLst>
+  </p:cSld>
+  <p:clrMapOvr>
+    <a:masterClrMapping/>
+  </p:clrMapOvr>
+</p:sld>
+</file>
+
+<file path=ppt/slides/slide6.xml><?xml version="1.0" encoding="utf-8"?>
+<p:sld xmlns:a="http://schemas.openxmlformats.org/drawingml/2006/main" xmlns:r="http://schemas.openxmlformats.org/officeDocument/2006/relationships" xmlns:p="http://schemas.openxmlformats.org/presentationml/2006/main">
+  <p:cSld>
+    <p:spTree>
+      <p:nvGrpSpPr>
+        <p:cNvPr id="1" name=""/>
+        <p:cNvGrpSpPr/>
+        <p:nvPr/>
+      </p:nvGrpSpPr>
+      <p:grpSpPr>
+        <a:xfrm>
+          <a:off x="0" y="0"/>
+          <a:ext cx="0" cy="0"/>
+          <a:chOff x="0" y="0"/>
+          <a:chExt cx="0" cy="0"/>
+        </a:xfrm>
+      </p:grpSpPr>
+      <p:sp>
+        <p:nvSpPr>
+          <p:cNvPr id="2" name="Title 1"/>
+          <p:cNvSpPr>
+            <a:spLocks noGrp="1"/>
+          </p:cNvSpPr>
+          <p:nvPr>
+            <p:ph type="title"/>
+          </p:nvPr>
+        </p:nvSpPr>
+        <p:spPr/>
+        <p:txBody>
+          <a:bodyPr/>
+          <a:lstStyle/>
+          <a:p>
+            <a:r>
+              <a:rPr lang="en-US" dirty="0" smtClean="0"/>
+              <a:t>MDP</a:t>
+            </a:r>
+            <a:endParaRPr lang="en-US" dirty="0"/>
+          </a:p>
+        </p:txBody>
+      </p:sp>
+    </p:spTree>
+    <p:extLst>
+      <p:ext uri="{BB962C8B-B14F-4D97-AF65-F5344CB8AC3E}">
+        <p14:creationId xmlns:p14="http://schemas.microsoft.com/office/powerpoint/2010/main" val="2532710991"/>
+      </p:ext>
+    </p:extLst>
+  </p:cSld>
+  <p:clrMapOvr>
+    <a:masterClrMapping/>
+  </p:clrMapOvr>
+</p:sld>
+</file>
+
+<file path=ppt/slides/slide7.xml><?xml version="1.0" encoding="utf-8"?>
 <p:sld xmlns:a="http://schemas.openxmlformats.org/drawingml/2006/main" xmlns:r="http://schemas.openxmlformats.org/officeDocument/2006/relationships" xmlns:p="http://schemas.openxmlformats.org/presentationml/2006/main">
   <p:cSld>
     <p:spTree>
@@ -3790,7 +4391,7 @@
           <a:graphicData uri="http://schemas.openxmlformats.org/presentationml/2006/ole">
             <mc:AlternateContent xmlns:mc="http://schemas.openxmlformats.org/markup-compatibility/2006">
               <mc:Choice xmlns:v="urn:schemas-microsoft-com:vml" Requires="v">
-                <p:oleObj spid="_x0000_s4107" r:id="rId3" imgW="8077200" imgH="6870700" progId="Visio.Drawing.15">
+                <p:oleObj spid="_x0000_s4112" r:id="rId3" imgW="8077200" imgH="6870700" progId="Visio.Drawing.15">
                   <p:embed/>
                 </p:oleObj>
               </mc:Choice>
@@ -3857,7 +4458,7 @@
 </p:sld>
 </file>
 
-<file path=ppt/slides/slide3.xml><?xml version="1.0" encoding="utf-8"?>
+<file path=ppt/slides/slide8.xml><?xml version="1.0" encoding="utf-8"?>
 <p:sld xmlns:a="http://schemas.openxmlformats.org/drawingml/2006/main" xmlns:r="http://schemas.openxmlformats.org/officeDocument/2006/relationships" xmlns:p="http://schemas.openxmlformats.org/presentationml/2006/main">
   <p:cSld>
     <p:spTree>
@@ -3911,278 +4512,6 @@
 </p:sld>
 </file>
 
-<file path=ppt/slides/slide4.xml><?xml version="1.0" encoding="utf-8"?>
-<p:sld xmlns:a="http://schemas.openxmlformats.org/drawingml/2006/main" xmlns:r="http://schemas.openxmlformats.org/officeDocument/2006/relationships" xmlns:p="http://schemas.openxmlformats.org/presentationml/2006/main">
-  <p:cSld>
-    <p:spTree>
-      <p:nvGrpSpPr>
-        <p:cNvPr id="1" name=""/>
-        <p:cNvGrpSpPr/>
-        <p:nvPr/>
-      </p:nvGrpSpPr>
-      <p:grpSpPr>
-        <a:xfrm>
-          <a:off x="0" y="0"/>
-          <a:ext cx="0" cy="0"/>
-          <a:chOff x="0" y="0"/>
-          <a:chExt cx="0" cy="0"/>
-        </a:xfrm>
-      </p:grpSpPr>
-      <p:sp>
-        <p:nvSpPr>
-          <p:cNvPr id="2" name="Title 1"/>
-          <p:cNvSpPr>
-            <a:spLocks noGrp="1"/>
-          </p:cNvSpPr>
-          <p:nvPr>
-            <p:ph type="title"/>
-          </p:nvPr>
-        </p:nvSpPr>
-        <p:spPr/>
-        <p:txBody>
-          <a:bodyPr/>
-          <a:lstStyle/>
-          <a:p>
-            <a:r>
-              <a:rPr lang="en-US" dirty="0" smtClean="0"/>
-              <a:t>Result</a:t>
-            </a:r>
-            <a:endParaRPr lang="en-US" dirty="0"/>
-          </a:p>
-        </p:txBody>
-      </p:sp>
-    </p:spTree>
-    <p:extLst>
-      <p:ext uri="{BB962C8B-B14F-4D97-AF65-F5344CB8AC3E}">
-        <p14:creationId xmlns:p14="http://schemas.microsoft.com/office/powerpoint/2010/main" val="1674361981"/>
-      </p:ext>
-    </p:extLst>
-  </p:cSld>
-  <p:clrMapOvr>
-    <a:masterClrMapping/>
-  </p:clrMapOvr>
-</p:sld>
-</file>
-
-<file path=ppt/slides/slide5.xml><?xml version="1.0" encoding="utf-8"?>
-<p:sld xmlns:a="http://schemas.openxmlformats.org/drawingml/2006/main" xmlns:r="http://schemas.openxmlformats.org/officeDocument/2006/relationships" xmlns:p="http://schemas.openxmlformats.org/presentationml/2006/main">
-  <p:cSld>
-    <p:spTree>
-      <p:nvGrpSpPr>
-        <p:cNvPr id="1" name=""/>
-        <p:cNvGrpSpPr/>
-        <p:nvPr/>
-      </p:nvGrpSpPr>
-      <p:grpSpPr>
-        <a:xfrm>
-          <a:off x="0" y="0"/>
-          <a:ext cx="0" cy="0"/>
-          <a:chOff x="0" y="0"/>
-          <a:chExt cx="0" cy="0"/>
-        </a:xfrm>
-      </p:grpSpPr>
-      <p:pic>
-        <p:nvPicPr>
-          <p:cNvPr id="4" name="그림 1"/>
-          <p:cNvPicPr/>
-          <p:nvPr/>
-        </p:nvPicPr>
-        <p:blipFill>
-          <a:blip r:embed="rId2">
-            <a:extLst>
-              <a:ext uri="{28A0092B-C50C-407E-A947-70E740481C1C}">
-                <a14:useLocalDpi xmlns:a14="http://schemas.microsoft.com/office/drawing/2010/main" val="0"/>
-              </a:ext>
-            </a:extLst>
-          </a:blip>
-          <a:stretch>
-            <a:fillRect/>
-          </a:stretch>
-        </p:blipFill>
-        <p:spPr>
-          <a:xfrm>
-            <a:off x="3249705" y="1317158"/>
-            <a:ext cx="5596344" cy="4271984"/>
-          </a:xfrm>
-          <a:prstGeom prst="rect">
-            <a:avLst/>
-          </a:prstGeom>
-        </p:spPr>
-      </p:pic>
-    </p:spTree>
-    <p:extLst>
-      <p:ext uri="{BB962C8B-B14F-4D97-AF65-F5344CB8AC3E}">
-        <p14:creationId xmlns:p14="http://schemas.microsoft.com/office/powerpoint/2010/main" val="376104379"/>
-      </p:ext>
-    </p:extLst>
-  </p:cSld>
-  <p:clrMapOvr>
-    <a:masterClrMapping/>
-  </p:clrMapOvr>
-</p:sld>
-</file>
-
-<file path=ppt/slides/slide6.xml><?xml version="1.0" encoding="utf-8"?>
-<p:sld xmlns:a="http://schemas.openxmlformats.org/drawingml/2006/main" xmlns:r="http://schemas.openxmlformats.org/officeDocument/2006/relationships" xmlns:p="http://schemas.openxmlformats.org/presentationml/2006/main">
-  <p:cSld>
-    <p:spTree>
-      <p:nvGrpSpPr>
-        <p:cNvPr id="1" name=""/>
-        <p:cNvGrpSpPr/>
-        <p:nvPr/>
-      </p:nvGrpSpPr>
-      <p:grpSpPr>
-        <a:xfrm>
-          <a:off x="0" y="0"/>
-          <a:ext cx="0" cy="0"/>
-          <a:chOff x="0" y="0"/>
-          <a:chExt cx="0" cy="0"/>
-        </a:xfrm>
-      </p:grpSpPr>
-      <p:sp>
-        <p:nvSpPr>
-          <p:cNvPr id="2" name="Title 1"/>
-          <p:cNvSpPr>
-            <a:spLocks noGrp="1"/>
-          </p:cNvSpPr>
-          <p:nvPr>
-            <p:ph type="title"/>
-          </p:nvPr>
-        </p:nvSpPr>
-        <p:spPr/>
-        <p:txBody>
-          <a:bodyPr/>
-          <a:lstStyle/>
-          <a:p>
-            <a:r>
-              <a:rPr lang="en-US" dirty="0" smtClean="0"/>
-              <a:t>Verification and Validation</a:t>
-            </a:r>
-            <a:endParaRPr lang="en-US" dirty="0"/>
-          </a:p>
-        </p:txBody>
-      </p:sp>
-    </p:spTree>
-    <p:extLst>
-      <p:ext uri="{BB962C8B-B14F-4D97-AF65-F5344CB8AC3E}">
-        <p14:creationId xmlns:p14="http://schemas.microsoft.com/office/powerpoint/2010/main" val="1504794093"/>
-      </p:ext>
-    </p:extLst>
-  </p:cSld>
-  <p:clrMapOvr>
-    <a:masterClrMapping/>
-  </p:clrMapOvr>
-</p:sld>
-</file>
-
-<file path=ppt/slides/slide7.xml><?xml version="1.0" encoding="utf-8"?>
-<p:sld xmlns:a="http://schemas.openxmlformats.org/drawingml/2006/main" xmlns:r="http://schemas.openxmlformats.org/officeDocument/2006/relationships" xmlns:p="http://schemas.openxmlformats.org/presentationml/2006/main">
-  <p:cSld>
-    <p:spTree>
-      <p:nvGrpSpPr>
-        <p:cNvPr id="1" name=""/>
-        <p:cNvGrpSpPr/>
-        <p:nvPr/>
-      </p:nvGrpSpPr>
-      <p:grpSpPr>
-        <a:xfrm>
-          <a:off x="0" y="0"/>
-          <a:ext cx="0" cy="0"/>
-          <a:chOff x="0" y="0"/>
-          <a:chExt cx="0" cy="0"/>
-        </a:xfrm>
-      </p:grpSpPr>
-      <p:pic>
-        <p:nvPicPr>
-          <p:cNvPr id="4" name="Picture 3"/>
-          <p:cNvPicPr>
-            <a:picLocks noChangeAspect="1"/>
-          </p:cNvPicPr>
-          <p:nvPr/>
-        </p:nvPicPr>
-        <p:blipFill>
-          <a:blip r:embed="rId2"/>
-          <a:stretch>
-            <a:fillRect/>
-          </a:stretch>
-        </p:blipFill>
-        <p:spPr>
-          <a:xfrm>
-            <a:off x="2540000" y="762000"/>
-            <a:ext cx="7112000" cy="5334000"/>
-          </a:xfrm>
-          <a:prstGeom prst="rect">
-            <a:avLst/>
-          </a:prstGeom>
-        </p:spPr>
-      </p:pic>
-    </p:spTree>
-    <p:extLst>
-      <p:ext uri="{BB962C8B-B14F-4D97-AF65-F5344CB8AC3E}">
-        <p14:creationId xmlns:p14="http://schemas.microsoft.com/office/powerpoint/2010/main" val="673784714"/>
-      </p:ext>
-    </p:extLst>
-  </p:cSld>
-  <p:clrMapOvr>
-    <a:masterClrMapping/>
-  </p:clrMapOvr>
-</p:sld>
-</file>
-
-<file path=ppt/slides/slide8.xml><?xml version="1.0" encoding="utf-8"?>
-<p:sld xmlns:a="http://schemas.openxmlformats.org/drawingml/2006/main" xmlns:r="http://schemas.openxmlformats.org/officeDocument/2006/relationships" xmlns:p="http://schemas.openxmlformats.org/presentationml/2006/main">
-  <p:cSld>
-    <p:spTree>
-      <p:nvGrpSpPr>
-        <p:cNvPr id="1" name=""/>
-        <p:cNvGrpSpPr/>
-        <p:nvPr/>
-      </p:nvGrpSpPr>
-      <p:grpSpPr>
-        <a:xfrm>
-          <a:off x="0" y="0"/>
-          <a:ext cx="0" cy="0"/>
-          <a:chOff x="0" y="0"/>
-          <a:chExt cx="0" cy="0"/>
-        </a:xfrm>
-      </p:grpSpPr>
-      <p:pic>
-        <p:nvPicPr>
-          <p:cNvPr id="4" name="Picture 3"/>
-          <p:cNvPicPr>
-            <a:picLocks noChangeAspect="1"/>
-          </p:cNvPicPr>
-          <p:nvPr/>
-        </p:nvPicPr>
-        <p:blipFill>
-          <a:blip r:embed="rId2"/>
-          <a:stretch>
-            <a:fillRect/>
-          </a:stretch>
-        </p:blipFill>
-        <p:spPr>
-          <a:xfrm>
-            <a:off x="2540000" y="762000"/>
-            <a:ext cx="7112000" cy="5334000"/>
-          </a:xfrm>
-          <a:prstGeom prst="rect">
-            <a:avLst/>
-          </a:prstGeom>
-        </p:spPr>
-      </p:pic>
-    </p:spTree>
-    <p:extLst>
-      <p:ext uri="{BB962C8B-B14F-4D97-AF65-F5344CB8AC3E}">
-        <p14:creationId xmlns:p14="http://schemas.microsoft.com/office/powerpoint/2010/main" val="571965583"/>
-      </p:ext>
-    </p:extLst>
-  </p:cSld>
-  <p:clrMapOvr>
-    <a:masterClrMapping/>
-  </p:clrMapOvr>
-</p:sld>
-</file>
-
 <file path=ppt/slides/slide9.xml><?xml version="1.0" encoding="utf-8"?>
 <p:sld xmlns:a="http://schemas.openxmlformats.org/drawingml/2006/main" xmlns:r="http://schemas.openxmlformats.org/officeDocument/2006/relationships" xmlns:p="http://schemas.openxmlformats.org/presentationml/2006/main">
   <p:cSld>
@@ -4202,7 +4531,7 @@
       </p:grpSpPr>
       <p:pic>
         <p:nvPicPr>
-          <p:cNvPr id="4" name="Picture 3"/>
+          <p:cNvPr id="4" name="그림 3"/>
           <p:cNvPicPr>
             <a:picLocks noChangeAspect="1"/>
           </p:cNvPicPr>
@@ -4216,8 +4545,8 @@
         </p:blipFill>
         <p:spPr>
           <a:xfrm>
-            <a:off x="2540000" y="762000"/>
-            <a:ext cx="7112000" cy="5334000"/>
+            <a:off x="542611" y="167600"/>
+            <a:ext cx="10088545" cy="6664027"/>
           </a:xfrm>
           <a:prstGeom prst="rect">
             <a:avLst/>
@@ -4227,7 +4556,7 @@
     </p:spTree>
     <p:extLst>
       <p:ext uri="{BB962C8B-B14F-4D97-AF65-F5344CB8AC3E}">
-        <p14:creationId xmlns:p14="http://schemas.microsoft.com/office/powerpoint/2010/main" val="1180580809"/>
+        <p14:creationId xmlns:p14="http://schemas.microsoft.com/office/powerpoint/2010/main" val="706140057"/>
       </p:ext>
     </p:extLst>
   </p:cSld>

--- a/Images/Figures.pptx
+++ b/Images/Figures.pptx
@@ -5,7 +5,7 @@
     <p:sldMasterId id="2147483648" r:id="rId1"/>
   </p:sldMasterIdLst>
   <p:notesMasterIdLst>
-    <p:notesMasterId r:id="rId22"/>
+    <p:notesMasterId r:id="rId24"/>
   </p:notesMasterIdLst>
   <p:sldIdLst>
     <p:sldId id="261" r:id="rId2"/>
@@ -25,9 +25,11 @@
     <p:sldId id="260" r:id="rId16"/>
     <p:sldId id="269" r:id="rId17"/>
     <p:sldId id="265" r:id="rId18"/>
-    <p:sldId id="264" r:id="rId19"/>
-    <p:sldId id="266" r:id="rId20"/>
-    <p:sldId id="267" r:id="rId21"/>
+    <p:sldId id="277" r:id="rId19"/>
+    <p:sldId id="276" r:id="rId20"/>
+    <p:sldId id="264" r:id="rId21"/>
+    <p:sldId id="266" r:id="rId22"/>
+    <p:sldId id="267" r:id="rId23"/>
   </p:sldIdLst>
   <p:sldSz cx="12192000" cy="6858000"/>
   <p:notesSz cx="6858000" cy="9144000"/>
@@ -216,7 +218,7 @@
           <a:p>
             <a:fld id="{D2B9E211-9C08-4C42-A2A8-C62EC400EB01}" type="datetimeFigureOut">
               <a:rPr lang="en-US" smtClean="0"/>
-              <a:t>4/25/2017</a:t>
+              <a:t>4/28/17</a:t>
             </a:fld>
             <a:endParaRPr lang="en-US"/>
           </a:p>
@@ -615,7 +617,7 @@
           <a:p>
             <a:fld id="{486A5EBE-DDEB-A34C-9AC8-87337965A481}" type="datetimeFigureOut">
               <a:rPr lang="en-US" smtClean="0"/>
-              <a:t>4/25/2017</a:t>
+              <a:t>4/28/17</a:t>
             </a:fld>
             <a:endParaRPr lang="en-US"/>
           </a:p>
@@ -785,7 +787,7 @@
           <a:p>
             <a:fld id="{486A5EBE-DDEB-A34C-9AC8-87337965A481}" type="datetimeFigureOut">
               <a:rPr lang="en-US" smtClean="0"/>
-              <a:t>4/25/2017</a:t>
+              <a:t>4/28/17</a:t>
             </a:fld>
             <a:endParaRPr lang="en-US"/>
           </a:p>
@@ -965,7 +967,7 @@
           <a:p>
             <a:fld id="{486A5EBE-DDEB-A34C-9AC8-87337965A481}" type="datetimeFigureOut">
               <a:rPr lang="en-US" smtClean="0"/>
-              <a:t>4/25/2017</a:t>
+              <a:t>4/28/17</a:t>
             </a:fld>
             <a:endParaRPr lang="en-US"/>
           </a:p>
@@ -1135,7 +1137,7 @@
           <a:p>
             <a:fld id="{486A5EBE-DDEB-A34C-9AC8-87337965A481}" type="datetimeFigureOut">
               <a:rPr lang="en-US" smtClean="0"/>
-              <a:t>4/25/2017</a:t>
+              <a:t>4/28/17</a:t>
             </a:fld>
             <a:endParaRPr lang="en-US"/>
           </a:p>
@@ -1381,7 +1383,7 @@
           <a:p>
             <a:fld id="{486A5EBE-DDEB-A34C-9AC8-87337965A481}" type="datetimeFigureOut">
               <a:rPr lang="en-US" smtClean="0"/>
-              <a:t>4/25/2017</a:t>
+              <a:t>4/28/17</a:t>
             </a:fld>
             <a:endParaRPr lang="en-US"/>
           </a:p>
@@ -1613,7 +1615,7 @@
           <a:p>
             <a:fld id="{486A5EBE-DDEB-A34C-9AC8-87337965A481}" type="datetimeFigureOut">
               <a:rPr lang="en-US" smtClean="0"/>
-              <a:t>4/25/2017</a:t>
+              <a:t>4/28/17</a:t>
             </a:fld>
             <a:endParaRPr lang="en-US"/>
           </a:p>
@@ -1980,7 +1982,7 @@
           <a:p>
             <a:fld id="{486A5EBE-DDEB-A34C-9AC8-87337965A481}" type="datetimeFigureOut">
               <a:rPr lang="en-US" smtClean="0"/>
-              <a:t>4/25/2017</a:t>
+              <a:t>4/28/17</a:t>
             </a:fld>
             <a:endParaRPr lang="en-US"/>
           </a:p>
@@ -2098,7 +2100,7 @@
           <a:p>
             <a:fld id="{486A5EBE-DDEB-A34C-9AC8-87337965A481}" type="datetimeFigureOut">
               <a:rPr lang="en-US" smtClean="0"/>
-              <a:t>4/25/2017</a:t>
+              <a:t>4/28/17</a:t>
             </a:fld>
             <a:endParaRPr lang="en-US"/>
           </a:p>
@@ -2193,7 +2195,7 @@
           <a:p>
             <a:fld id="{486A5EBE-DDEB-A34C-9AC8-87337965A481}" type="datetimeFigureOut">
               <a:rPr lang="en-US" smtClean="0"/>
-              <a:t>4/25/2017</a:t>
+              <a:t>4/28/17</a:t>
             </a:fld>
             <a:endParaRPr lang="en-US"/>
           </a:p>
@@ -2470,7 +2472,7 @@
           <a:p>
             <a:fld id="{486A5EBE-DDEB-A34C-9AC8-87337965A481}" type="datetimeFigureOut">
               <a:rPr lang="en-US" smtClean="0"/>
-              <a:t>4/25/2017</a:t>
+              <a:t>4/28/17</a:t>
             </a:fld>
             <a:endParaRPr lang="en-US"/>
           </a:p>
@@ -2723,7 +2725,7 @@
           <a:p>
             <a:fld id="{486A5EBE-DDEB-A34C-9AC8-87337965A481}" type="datetimeFigureOut">
               <a:rPr lang="en-US" smtClean="0"/>
-              <a:t>4/25/2017</a:t>
+              <a:t>4/28/17</a:t>
             </a:fld>
             <a:endParaRPr lang="en-US"/>
           </a:p>
@@ -2936,7 +2938,7 @@
           <a:p>
             <a:fld id="{486A5EBE-DDEB-A34C-9AC8-87337965A481}" type="datetimeFigureOut">
               <a:rPr lang="en-US" smtClean="0"/>
-              <a:t>4/25/2017</a:t>
+              <a:t>4/28/17</a:t>
             </a:fld>
             <a:endParaRPr lang="en-US"/>
           </a:p>
@@ -3848,33 +3850,362 @@
           <a:chExt cx="0" cy="0"/>
         </a:xfrm>
       </p:grpSpPr>
-      <p:sp>
-        <p:nvSpPr>
-          <p:cNvPr id="2" name="Title 1"/>
-          <p:cNvSpPr>
-            <a:spLocks noGrp="1"/>
-          </p:cNvSpPr>
-          <p:nvPr>
-            <p:ph type="title"/>
-          </p:nvPr>
-        </p:nvSpPr>
-        <p:spPr/>
-        <p:txBody>
-          <a:bodyPr/>
-          <a:lstStyle/>
-          <a:p>
-            <a:r>
-              <a:rPr lang="en-US" dirty="0" smtClean="0"/>
-              <a:t>Example of ABM Analysis</a:t>
-            </a:r>
-            <a:endParaRPr lang="en-US" dirty="0"/>
+      <p:pic>
+        <p:nvPicPr>
+          <p:cNvPr id="4" name="Picture 3"/>
+          <p:cNvPicPr>
+            <a:picLocks noChangeAspect="1"/>
+          </p:cNvPicPr>
+          <p:nvPr/>
+        </p:nvPicPr>
+        <p:blipFill>
+          <a:blip r:embed="rId2">
+            <a:extLst>
+              <a:ext uri="{28A0092B-C50C-407E-A947-70E740481C1C}">
+                <a14:useLocalDpi xmlns:a14="http://schemas.microsoft.com/office/drawing/2010/main" val="0"/>
+              </a:ext>
+            </a:extLst>
+          </a:blip>
+          <a:stretch>
+            <a:fillRect/>
+          </a:stretch>
+        </p:blipFill>
+        <p:spPr>
+          <a:xfrm>
+            <a:off x="3124200" y="355600"/>
+            <a:ext cx="5943600" cy="6143625"/>
+          </a:xfrm>
+          <a:prstGeom prst="rect">
+            <a:avLst/>
+          </a:prstGeom>
+        </p:spPr>
+      </p:pic>
+      <p:sp>
+        <p:nvSpPr>
+          <p:cNvPr id="5" name="Oval 4"/>
+          <p:cNvSpPr/>
+          <p:nvPr/>
+        </p:nvSpPr>
+        <p:spPr>
+          <a:xfrm rot="4007356">
+            <a:off x="4992255" y="2307359"/>
+            <a:ext cx="1501033" cy="858992"/>
+          </a:xfrm>
+          <a:prstGeom prst="ellipse">
+            <a:avLst/>
+          </a:prstGeom>
+          <a:noFill/>
+          <a:ln w="28575">
+            <a:solidFill>
+              <a:schemeClr val="accent2"/>
+            </a:solidFill>
+          </a:ln>
+        </p:spPr>
+        <p:style>
+          <a:lnRef idx="2">
+            <a:schemeClr val="accent1">
+              <a:shade val="50000"/>
+            </a:schemeClr>
+          </a:lnRef>
+          <a:fillRef idx="1">
+            <a:schemeClr val="accent1"/>
+          </a:fillRef>
+          <a:effectRef idx="0">
+            <a:schemeClr val="accent1"/>
+          </a:effectRef>
+          <a:fontRef idx="minor">
+            <a:schemeClr val="lt1"/>
+          </a:fontRef>
+        </p:style>
+        <p:txBody>
+          <a:bodyPr rtlCol="0" anchor="ctr"/>
+          <a:lstStyle/>
+          <a:p>
+            <a:pPr algn="ctr"/>
+            <a:endParaRPr lang="en-US"/>
+          </a:p>
+        </p:txBody>
+      </p:sp>
+      <p:sp>
+        <p:nvSpPr>
+          <p:cNvPr id="6" name="Oval 5"/>
+          <p:cNvSpPr/>
+          <p:nvPr/>
+        </p:nvSpPr>
+        <p:spPr>
+          <a:xfrm rot="6364579">
+            <a:off x="3436606" y="1909402"/>
+            <a:ext cx="1841324" cy="1432391"/>
+          </a:xfrm>
+          <a:prstGeom prst="ellipse">
+            <a:avLst/>
+          </a:prstGeom>
+          <a:noFill/>
+          <a:ln w="28575">
+            <a:solidFill>
+              <a:schemeClr val="accent2"/>
+            </a:solidFill>
+          </a:ln>
+        </p:spPr>
+        <p:style>
+          <a:lnRef idx="2">
+            <a:schemeClr val="accent1">
+              <a:shade val="50000"/>
+            </a:schemeClr>
+          </a:lnRef>
+          <a:fillRef idx="1">
+            <a:schemeClr val="accent1"/>
+          </a:fillRef>
+          <a:effectRef idx="0">
+            <a:schemeClr val="accent1"/>
+          </a:effectRef>
+          <a:fontRef idx="minor">
+            <a:schemeClr val="lt1"/>
+          </a:fontRef>
+        </p:style>
+        <p:txBody>
+          <a:bodyPr rtlCol="0" anchor="ctr"/>
+          <a:lstStyle/>
+          <a:p>
+            <a:pPr algn="ctr"/>
+            <a:endParaRPr lang="en-US"/>
+          </a:p>
+        </p:txBody>
+      </p:sp>
+      <p:sp>
+        <p:nvSpPr>
+          <p:cNvPr id="7" name="Oval 6"/>
+          <p:cNvSpPr/>
+          <p:nvPr/>
+        </p:nvSpPr>
+        <p:spPr>
+          <a:xfrm rot="6364579">
+            <a:off x="4402901" y="5552747"/>
+            <a:ext cx="1146253" cy="645321"/>
+          </a:xfrm>
+          <a:prstGeom prst="ellipse">
+            <a:avLst/>
+          </a:prstGeom>
+          <a:noFill/>
+          <a:ln w="28575">
+            <a:solidFill>
+              <a:schemeClr val="accent2"/>
+            </a:solidFill>
+          </a:ln>
+        </p:spPr>
+        <p:style>
+          <a:lnRef idx="2">
+            <a:schemeClr val="accent1">
+              <a:shade val="50000"/>
+            </a:schemeClr>
+          </a:lnRef>
+          <a:fillRef idx="1">
+            <a:schemeClr val="accent1"/>
+          </a:fillRef>
+          <a:effectRef idx="0">
+            <a:schemeClr val="accent1"/>
+          </a:effectRef>
+          <a:fontRef idx="minor">
+            <a:schemeClr val="lt1"/>
+          </a:fontRef>
+        </p:style>
+        <p:txBody>
+          <a:bodyPr rtlCol="0" anchor="ctr"/>
+          <a:lstStyle/>
+          <a:p>
+            <a:pPr algn="ctr"/>
+            <a:endParaRPr lang="en-US"/>
+          </a:p>
+        </p:txBody>
+      </p:sp>
+      <p:sp>
+        <p:nvSpPr>
+          <p:cNvPr id="8" name="Oval 7"/>
+          <p:cNvSpPr/>
+          <p:nvPr/>
+        </p:nvSpPr>
+        <p:spPr>
+          <a:xfrm rot="20503018">
+            <a:off x="6480934" y="1053491"/>
+            <a:ext cx="1178213" cy="829337"/>
+          </a:xfrm>
+          <a:prstGeom prst="ellipse">
+            <a:avLst/>
+          </a:prstGeom>
+          <a:noFill/>
+          <a:ln w="28575">
+            <a:solidFill>
+              <a:schemeClr val="accent2"/>
+            </a:solidFill>
+          </a:ln>
+        </p:spPr>
+        <p:style>
+          <a:lnRef idx="2">
+            <a:schemeClr val="accent1">
+              <a:shade val="50000"/>
+            </a:schemeClr>
+          </a:lnRef>
+          <a:fillRef idx="1">
+            <a:schemeClr val="accent1"/>
+          </a:fillRef>
+          <a:effectRef idx="0">
+            <a:schemeClr val="accent1"/>
+          </a:effectRef>
+          <a:fontRef idx="minor">
+            <a:schemeClr val="lt1"/>
+          </a:fontRef>
+        </p:style>
+        <p:txBody>
+          <a:bodyPr rtlCol="0" anchor="ctr"/>
+          <a:lstStyle/>
+          <a:p>
+            <a:pPr algn="ctr"/>
+            <a:endParaRPr lang="en-US"/>
+          </a:p>
+        </p:txBody>
+      </p:sp>
+      <p:sp>
+        <p:nvSpPr>
+          <p:cNvPr id="9" name="Oval 8"/>
+          <p:cNvSpPr/>
+          <p:nvPr/>
+        </p:nvSpPr>
+        <p:spPr>
+          <a:xfrm rot="271968">
+            <a:off x="3752609" y="5143305"/>
+            <a:ext cx="583854" cy="1020177"/>
+          </a:xfrm>
+          <a:prstGeom prst="ellipse">
+            <a:avLst/>
+          </a:prstGeom>
+          <a:noFill/>
+          <a:ln w="28575">
+            <a:solidFill>
+              <a:schemeClr val="accent2"/>
+            </a:solidFill>
+          </a:ln>
+        </p:spPr>
+        <p:style>
+          <a:lnRef idx="2">
+            <a:schemeClr val="accent1">
+              <a:shade val="50000"/>
+            </a:schemeClr>
+          </a:lnRef>
+          <a:fillRef idx="1">
+            <a:schemeClr val="accent1"/>
+          </a:fillRef>
+          <a:effectRef idx="0">
+            <a:schemeClr val="accent1"/>
+          </a:effectRef>
+          <a:fontRef idx="minor">
+            <a:schemeClr val="lt1"/>
+          </a:fontRef>
+        </p:style>
+        <p:txBody>
+          <a:bodyPr rtlCol="0" anchor="ctr"/>
+          <a:lstStyle/>
+          <a:p>
+            <a:pPr algn="ctr"/>
+            <a:endParaRPr lang="en-US"/>
+          </a:p>
+        </p:txBody>
+      </p:sp>
+      <p:sp>
+        <p:nvSpPr>
+          <p:cNvPr id="10" name="Oval 9"/>
+          <p:cNvSpPr/>
+          <p:nvPr/>
+        </p:nvSpPr>
+        <p:spPr>
+          <a:xfrm rot="21356798">
+            <a:off x="8485584" y="4635803"/>
+            <a:ext cx="478000" cy="921538"/>
+          </a:xfrm>
+          <a:prstGeom prst="ellipse">
+            <a:avLst/>
+          </a:prstGeom>
+          <a:noFill/>
+          <a:ln w="28575">
+            <a:solidFill>
+              <a:schemeClr val="accent2"/>
+            </a:solidFill>
+          </a:ln>
+        </p:spPr>
+        <p:style>
+          <a:lnRef idx="2">
+            <a:schemeClr val="accent1">
+              <a:shade val="50000"/>
+            </a:schemeClr>
+          </a:lnRef>
+          <a:fillRef idx="1">
+            <a:schemeClr val="accent1"/>
+          </a:fillRef>
+          <a:effectRef idx="0">
+            <a:schemeClr val="accent1"/>
+          </a:effectRef>
+          <a:fontRef idx="minor">
+            <a:schemeClr val="lt1"/>
+          </a:fontRef>
+        </p:style>
+        <p:txBody>
+          <a:bodyPr rtlCol="0" anchor="ctr"/>
+          <a:lstStyle/>
+          <a:p>
+            <a:pPr algn="ctr"/>
+            <a:endParaRPr lang="en-US"/>
+          </a:p>
+        </p:txBody>
+      </p:sp>
+      <p:sp>
+        <p:nvSpPr>
+          <p:cNvPr id="11" name="Oval 10"/>
+          <p:cNvSpPr/>
+          <p:nvPr/>
+        </p:nvSpPr>
+        <p:spPr>
+          <a:xfrm rot="21356798">
+            <a:off x="8383378" y="5956312"/>
+            <a:ext cx="612021" cy="474526"/>
+          </a:xfrm>
+          <a:prstGeom prst="ellipse">
+            <a:avLst/>
+          </a:prstGeom>
+          <a:noFill/>
+          <a:ln w="28575">
+            <a:solidFill>
+              <a:schemeClr val="accent2"/>
+            </a:solidFill>
+          </a:ln>
+        </p:spPr>
+        <p:style>
+          <a:lnRef idx="2">
+            <a:schemeClr val="accent1">
+              <a:shade val="50000"/>
+            </a:schemeClr>
+          </a:lnRef>
+          <a:fillRef idx="1">
+            <a:schemeClr val="accent1"/>
+          </a:fillRef>
+          <a:effectRef idx="0">
+            <a:schemeClr val="accent1"/>
+          </a:effectRef>
+          <a:fontRef idx="minor">
+            <a:schemeClr val="lt1"/>
+          </a:fontRef>
+        </p:style>
+        <p:txBody>
+          <a:bodyPr rtlCol="0" anchor="ctr"/>
+          <a:lstStyle/>
+          <a:p>
+            <a:pPr algn="ctr"/>
+            <a:endParaRPr lang="en-US"/>
           </a:p>
         </p:txBody>
       </p:sp>
     </p:spTree>
     <p:extLst>
       <p:ext uri="{BB962C8B-B14F-4D97-AF65-F5344CB8AC3E}">
-        <p14:creationId xmlns:p14="http://schemas.microsoft.com/office/powerpoint/2010/main" val="1169025604"/>
+        <p14:creationId xmlns:p14="http://schemas.microsoft.com/office/powerpoint/2010/main" val="1376789588"/>
       </p:ext>
     </p:extLst>
   </p:cSld>
@@ -3923,18 +4254,340 @@
         </p:blipFill>
         <p:spPr>
           <a:xfrm>
-            <a:off x="3493213" y="604769"/>
-            <a:ext cx="5601415" cy="5770346"/>
+            <a:off x="3124200" y="355600"/>
+            <a:ext cx="5943600" cy="6143625"/>
           </a:xfrm>
           <a:prstGeom prst="rect">
             <a:avLst/>
           </a:prstGeom>
         </p:spPr>
       </p:pic>
+      <p:sp>
+        <p:nvSpPr>
+          <p:cNvPr id="5" name="Oval 4"/>
+          <p:cNvSpPr/>
+          <p:nvPr/>
+        </p:nvSpPr>
+        <p:spPr>
+          <a:xfrm rot="675124">
+            <a:off x="5924861" y="1846256"/>
+            <a:ext cx="811255" cy="1636301"/>
+          </a:xfrm>
+          <a:prstGeom prst="ellipse">
+            <a:avLst/>
+          </a:prstGeom>
+          <a:noFill/>
+          <a:ln w="28575">
+            <a:solidFill>
+              <a:schemeClr val="accent2"/>
+            </a:solidFill>
+          </a:ln>
+        </p:spPr>
+        <p:style>
+          <a:lnRef idx="2">
+            <a:schemeClr val="accent1">
+              <a:shade val="50000"/>
+            </a:schemeClr>
+          </a:lnRef>
+          <a:fillRef idx="1">
+            <a:schemeClr val="accent1"/>
+          </a:fillRef>
+          <a:effectRef idx="0">
+            <a:schemeClr val="accent1"/>
+          </a:effectRef>
+          <a:fontRef idx="minor">
+            <a:schemeClr val="lt1"/>
+          </a:fontRef>
+        </p:style>
+        <p:txBody>
+          <a:bodyPr rtlCol="0" anchor="ctr"/>
+          <a:lstStyle/>
+          <a:p>
+            <a:pPr algn="ctr"/>
+            <a:endParaRPr lang="en-US"/>
+          </a:p>
+        </p:txBody>
+      </p:sp>
+      <p:sp>
+        <p:nvSpPr>
+          <p:cNvPr id="6" name="Oval 5"/>
+          <p:cNvSpPr/>
+          <p:nvPr/>
+        </p:nvSpPr>
+        <p:spPr>
+          <a:xfrm rot="1899844">
+            <a:off x="4081192" y="1167313"/>
+            <a:ext cx="815767" cy="1787572"/>
+          </a:xfrm>
+          <a:prstGeom prst="ellipse">
+            <a:avLst/>
+          </a:prstGeom>
+          <a:noFill/>
+          <a:ln w="28575">
+            <a:solidFill>
+              <a:schemeClr val="accent2"/>
+            </a:solidFill>
+          </a:ln>
+        </p:spPr>
+        <p:style>
+          <a:lnRef idx="2">
+            <a:schemeClr val="accent1">
+              <a:shade val="50000"/>
+            </a:schemeClr>
+          </a:lnRef>
+          <a:fillRef idx="1">
+            <a:schemeClr val="accent1"/>
+          </a:fillRef>
+          <a:effectRef idx="0">
+            <a:schemeClr val="accent1"/>
+          </a:effectRef>
+          <a:fontRef idx="minor">
+            <a:schemeClr val="lt1"/>
+          </a:fontRef>
+        </p:style>
+        <p:txBody>
+          <a:bodyPr rtlCol="0" anchor="ctr"/>
+          <a:lstStyle/>
+          <a:p>
+            <a:pPr algn="ctr"/>
+            <a:endParaRPr lang="en-US"/>
+          </a:p>
+        </p:txBody>
+      </p:sp>
+      <p:sp>
+        <p:nvSpPr>
+          <p:cNvPr id="7" name="Oval 6"/>
+          <p:cNvSpPr/>
+          <p:nvPr/>
+        </p:nvSpPr>
+        <p:spPr>
+          <a:xfrm>
+            <a:off x="5076826" y="624387"/>
+            <a:ext cx="1019173" cy="1604463"/>
+          </a:xfrm>
+          <a:prstGeom prst="ellipse">
+            <a:avLst/>
+          </a:prstGeom>
+          <a:noFill/>
+          <a:ln w="28575">
+            <a:solidFill>
+              <a:schemeClr val="accent2"/>
+            </a:solidFill>
+          </a:ln>
+        </p:spPr>
+        <p:style>
+          <a:lnRef idx="2">
+            <a:schemeClr val="accent1">
+              <a:shade val="50000"/>
+            </a:schemeClr>
+          </a:lnRef>
+          <a:fillRef idx="1">
+            <a:schemeClr val="accent1"/>
+          </a:fillRef>
+          <a:effectRef idx="0">
+            <a:schemeClr val="accent1"/>
+          </a:effectRef>
+          <a:fontRef idx="minor">
+            <a:schemeClr val="lt1"/>
+          </a:fontRef>
+        </p:style>
+        <p:txBody>
+          <a:bodyPr rtlCol="0" anchor="ctr"/>
+          <a:lstStyle/>
+          <a:p>
+            <a:pPr algn="ctr"/>
+            <a:endParaRPr lang="en-US"/>
+          </a:p>
+        </p:txBody>
+      </p:sp>
+      <p:sp>
+        <p:nvSpPr>
+          <p:cNvPr id="8" name="Oval 7"/>
+          <p:cNvSpPr/>
+          <p:nvPr/>
+        </p:nvSpPr>
+        <p:spPr>
+          <a:xfrm rot="725471">
+            <a:off x="3355798" y="3909000"/>
+            <a:ext cx="1465392" cy="998456"/>
+          </a:xfrm>
+          <a:prstGeom prst="ellipse">
+            <a:avLst/>
+          </a:prstGeom>
+          <a:noFill/>
+          <a:ln w="28575">
+            <a:solidFill>
+              <a:schemeClr val="accent2"/>
+            </a:solidFill>
+          </a:ln>
+        </p:spPr>
+        <p:style>
+          <a:lnRef idx="2">
+            <a:schemeClr val="accent1">
+              <a:shade val="50000"/>
+            </a:schemeClr>
+          </a:lnRef>
+          <a:fillRef idx="1">
+            <a:schemeClr val="accent1"/>
+          </a:fillRef>
+          <a:effectRef idx="0">
+            <a:schemeClr val="accent1"/>
+          </a:effectRef>
+          <a:fontRef idx="minor">
+            <a:schemeClr val="lt1"/>
+          </a:fontRef>
+        </p:style>
+        <p:txBody>
+          <a:bodyPr rtlCol="0" anchor="ctr"/>
+          <a:lstStyle/>
+          <a:p>
+            <a:pPr algn="ctr"/>
+            <a:endParaRPr lang="en-US"/>
+          </a:p>
+        </p:txBody>
+      </p:sp>
+      <p:sp>
+        <p:nvSpPr>
+          <p:cNvPr id="9" name="Oval 8"/>
+          <p:cNvSpPr/>
+          <p:nvPr/>
+        </p:nvSpPr>
+        <p:spPr>
+          <a:xfrm rot="250070">
+            <a:off x="7709097" y="5544868"/>
+            <a:ext cx="541489" cy="639781"/>
+          </a:xfrm>
+          <a:prstGeom prst="ellipse">
+            <a:avLst/>
+          </a:prstGeom>
+          <a:noFill/>
+          <a:ln w="28575">
+            <a:solidFill>
+              <a:schemeClr val="accent2"/>
+            </a:solidFill>
+          </a:ln>
+        </p:spPr>
+        <p:style>
+          <a:lnRef idx="2">
+            <a:schemeClr val="accent1">
+              <a:shade val="50000"/>
+            </a:schemeClr>
+          </a:lnRef>
+          <a:fillRef idx="1">
+            <a:schemeClr val="accent1"/>
+          </a:fillRef>
+          <a:effectRef idx="0">
+            <a:schemeClr val="accent1"/>
+          </a:effectRef>
+          <a:fontRef idx="minor">
+            <a:schemeClr val="lt1"/>
+          </a:fontRef>
+        </p:style>
+        <p:txBody>
+          <a:bodyPr rtlCol="0" anchor="ctr"/>
+          <a:lstStyle/>
+          <a:p>
+            <a:pPr algn="ctr"/>
+            <a:endParaRPr lang="en-US"/>
+          </a:p>
+        </p:txBody>
+      </p:sp>
+      <p:sp>
+        <p:nvSpPr>
+          <p:cNvPr id="10" name="Oval 9"/>
+          <p:cNvSpPr/>
+          <p:nvPr/>
+        </p:nvSpPr>
+        <p:spPr>
+          <a:xfrm rot="21321995">
+            <a:off x="7582599" y="1789805"/>
+            <a:ext cx="1056354" cy="1436033"/>
+          </a:xfrm>
+          <a:prstGeom prst="ellipse">
+            <a:avLst/>
+          </a:prstGeom>
+          <a:noFill/>
+          <a:ln w="28575">
+            <a:solidFill>
+              <a:schemeClr val="accent2"/>
+            </a:solidFill>
+          </a:ln>
+        </p:spPr>
+        <p:style>
+          <a:lnRef idx="2">
+            <a:schemeClr val="accent1">
+              <a:shade val="50000"/>
+            </a:schemeClr>
+          </a:lnRef>
+          <a:fillRef idx="1">
+            <a:schemeClr val="accent1"/>
+          </a:fillRef>
+          <a:effectRef idx="0">
+            <a:schemeClr val="accent1"/>
+          </a:effectRef>
+          <a:fontRef idx="minor">
+            <a:schemeClr val="lt1"/>
+          </a:fontRef>
+        </p:style>
+        <p:txBody>
+          <a:bodyPr rtlCol="0" anchor="ctr"/>
+          <a:lstStyle/>
+          <a:p>
+            <a:pPr algn="ctr"/>
+            <a:endParaRPr lang="en-US"/>
+          </a:p>
+        </p:txBody>
+      </p:sp>
+      <p:sp>
+        <p:nvSpPr>
+          <p:cNvPr id="11" name="Oval 10"/>
+          <p:cNvSpPr/>
+          <p:nvPr/>
+        </p:nvSpPr>
+        <p:spPr>
+          <a:xfrm rot="21321995">
+            <a:off x="4551040" y="5921668"/>
+            <a:ext cx="524994" cy="445598"/>
+          </a:xfrm>
+          <a:prstGeom prst="ellipse">
+            <a:avLst/>
+          </a:prstGeom>
+          <a:noFill/>
+          <a:ln w="28575">
+            <a:solidFill>
+              <a:schemeClr val="accent2"/>
+            </a:solidFill>
+          </a:ln>
+        </p:spPr>
+        <p:style>
+          <a:lnRef idx="2">
+            <a:schemeClr val="accent1">
+              <a:shade val="50000"/>
+            </a:schemeClr>
+          </a:lnRef>
+          <a:fillRef idx="1">
+            <a:schemeClr val="accent1"/>
+          </a:fillRef>
+          <a:effectRef idx="0">
+            <a:schemeClr val="accent1"/>
+          </a:effectRef>
+          <a:fontRef idx="minor">
+            <a:schemeClr val="lt1"/>
+          </a:fontRef>
+        </p:style>
+        <p:txBody>
+          <a:bodyPr rtlCol="0" anchor="ctr"/>
+          <a:lstStyle/>
+          <a:p>
+            <a:pPr algn="ctr"/>
+            <a:endParaRPr lang="en-US"/>
+          </a:p>
+        </p:txBody>
+      </p:sp>
     </p:spTree>
     <p:extLst>
       <p:ext uri="{BB962C8B-B14F-4D97-AF65-F5344CB8AC3E}">
-        <p14:creationId xmlns:p14="http://schemas.microsoft.com/office/powerpoint/2010/main" val="967473114"/>
+        <p14:creationId xmlns:p14="http://schemas.microsoft.com/office/powerpoint/2010/main" val="1236456514"/>
       </p:ext>
     </p:extLst>
   </p:cSld>
@@ -3999,6 +4652,119 @@
 </file>
 
 <file path=ppt/slides/slide20.xml><?xml version="1.0" encoding="utf-8"?>
+<p:sld xmlns:a="http://schemas.openxmlformats.org/drawingml/2006/main" xmlns:r="http://schemas.openxmlformats.org/officeDocument/2006/relationships" xmlns:p="http://schemas.openxmlformats.org/presentationml/2006/main">
+  <p:cSld>
+    <p:spTree>
+      <p:nvGrpSpPr>
+        <p:cNvPr id="1" name=""/>
+        <p:cNvGrpSpPr/>
+        <p:nvPr/>
+      </p:nvGrpSpPr>
+      <p:grpSpPr>
+        <a:xfrm>
+          <a:off x="0" y="0"/>
+          <a:ext cx="0" cy="0"/>
+          <a:chOff x="0" y="0"/>
+          <a:chExt cx="0" cy="0"/>
+        </a:xfrm>
+      </p:grpSpPr>
+      <p:sp>
+        <p:nvSpPr>
+          <p:cNvPr id="2" name="Title 1"/>
+          <p:cNvSpPr>
+            <a:spLocks noGrp="1"/>
+          </p:cNvSpPr>
+          <p:nvPr>
+            <p:ph type="title"/>
+          </p:nvPr>
+        </p:nvSpPr>
+        <p:spPr/>
+        <p:txBody>
+          <a:bodyPr/>
+          <a:lstStyle/>
+          <a:p>
+            <a:r>
+              <a:rPr lang="en-US" dirty="0" smtClean="0"/>
+              <a:t>Example of ABM Analysis</a:t>
+            </a:r>
+            <a:endParaRPr lang="en-US" dirty="0"/>
+          </a:p>
+        </p:txBody>
+      </p:sp>
+    </p:spTree>
+    <p:extLst>
+      <p:ext uri="{BB962C8B-B14F-4D97-AF65-F5344CB8AC3E}">
+        <p14:creationId xmlns:p14="http://schemas.microsoft.com/office/powerpoint/2010/main" val="1169025604"/>
+      </p:ext>
+    </p:extLst>
+  </p:cSld>
+  <p:clrMapOvr>
+    <a:masterClrMapping/>
+  </p:clrMapOvr>
+</p:sld>
+</file>
+
+<file path=ppt/slides/slide21.xml><?xml version="1.0" encoding="utf-8"?>
+<p:sld xmlns:a="http://schemas.openxmlformats.org/drawingml/2006/main" xmlns:r="http://schemas.openxmlformats.org/officeDocument/2006/relationships" xmlns:p="http://schemas.openxmlformats.org/presentationml/2006/main">
+  <p:cSld>
+    <p:spTree>
+      <p:nvGrpSpPr>
+        <p:cNvPr id="1" name=""/>
+        <p:cNvGrpSpPr/>
+        <p:nvPr/>
+      </p:nvGrpSpPr>
+      <p:grpSpPr>
+        <a:xfrm>
+          <a:off x="0" y="0"/>
+          <a:ext cx="0" cy="0"/>
+          <a:chOff x="0" y="0"/>
+          <a:chExt cx="0" cy="0"/>
+        </a:xfrm>
+      </p:grpSpPr>
+      <p:pic>
+        <p:nvPicPr>
+          <p:cNvPr id="4" name="Picture 3"/>
+          <p:cNvPicPr>
+            <a:picLocks noChangeAspect="1"/>
+          </p:cNvPicPr>
+          <p:nvPr/>
+        </p:nvPicPr>
+        <p:blipFill>
+          <a:blip r:embed="rId2">
+            <a:extLst>
+              <a:ext uri="{28A0092B-C50C-407E-A947-70E740481C1C}">
+                <a14:useLocalDpi xmlns:a14="http://schemas.microsoft.com/office/drawing/2010/main" val="0"/>
+              </a:ext>
+            </a:extLst>
+          </a:blip>
+          <a:stretch>
+            <a:fillRect/>
+          </a:stretch>
+        </p:blipFill>
+        <p:spPr>
+          <a:xfrm>
+            <a:off x="3493213" y="604769"/>
+            <a:ext cx="5601415" cy="5770346"/>
+          </a:xfrm>
+          <a:prstGeom prst="rect">
+            <a:avLst/>
+          </a:prstGeom>
+        </p:spPr>
+      </p:pic>
+    </p:spTree>
+    <p:extLst>
+      <p:ext uri="{BB962C8B-B14F-4D97-AF65-F5344CB8AC3E}">
+        <p14:creationId xmlns:p14="http://schemas.microsoft.com/office/powerpoint/2010/main" val="967473114"/>
+      </p:ext>
+    </p:extLst>
+  </p:cSld>
+  <p:clrMapOvr>
+    <a:masterClrMapping/>
+  </p:clrMapOvr>
+</p:sld>
+</file>
+
+<file path=ppt/slides/slide22.xml><?xml version="1.0" encoding="utf-8"?>
 <p:sld xmlns:a="http://schemas.openxmlformats.org/drawingml/2006/main" xmlns:r="http://schemas.openxmlformats.org/officeDocument/2006/relationships" xmlns:p="http://schemas.openxmlformats.org/presentationml/2006/main">
   <p:cSld>
     <p:spTree>
@@ -4391,7 +5157,7 @@
           <a:graphicData uri="http://schemas.openxmlformats.org/presentationml/2006/ole">
             <mc:AlternateContent xmlns:mc="http://schemas.openxmlformats.org/markup-compatibility/2006">
               <mc:Choice xmlns:v="urn:schemas-microsoft-com:vml" Requires="v">
-                <p:oleObj spid="_x0000_s4112" r:id="rId3" imgW="8077200" imgH="6870700" progId="Visio.Drawing.15">
+                <p:oleObj spid="_x0000_s4117" r:id="rId3" imgW="8077200" imgH="6870700" progId="Visio.Drawing.15">
                   <p:embed/>
                 </p:oleObj>
               </mc:Choice>

--- a/Images/Figures.pptx
+++ b/Images/Figures.pptx
@@ -5157,12 +5157,12 @@
           <a:graphicData uri="http://schemas.openxmlformats.org/presentationml/2006/ole">
             <mc:AlternateContent xmlns:mc="http://schemas.openxmlformats.org/markup-compatibility/2006">
               <mc:Choice xmlns:v="urn:schemas-microsoft-com:vml" Requires="v">
-                <p:oleObj spid="_x0000_s4117" r:id="rId3" imgW="8077200" imgH="6870700" progId="Visio.Drawing.15">
+                <p:oleObj spid="_x0000_s4119" r:id="rId4" imgW="8077200" imgH="6870700" progId="Visio.Drawing.15">
                   <p:embed/>
                 </p:oleObj>
               </mc:Choice>
               <mc:Fallback>
-                <p:oleObj r:id="rId3" imgW="8077200" imgH="6870700" progId="Visio.Drawing.15">
+                <p:oleObj r:id="rId4" imgW="8077200" imgH="6870700" progId="Visio.Drawing.15">
                   <p:embed/>
                   <p:pic>
                     <p:nvPicPr>
@@ -5173,7 +5173,7 @@
                       <p:nvPr/>
                     </p:nvPicPr>
                     <p:blipFill>
-                      <a:blip r:embed="rId4">
+                      <a:blip r:embed="rId5">
                         <a:extLst>
                           <a:ext uri="{28A0092B-C50C-407E-A947-70E740481C1C}">
                             <a14:useLocalDpi xmlns:a14="http://schemas.microsoft.com/office/drawing/2010/main" val="0"/>
